--- a/Lezione 3/LabAWC-Lez3.pptx
+++ b/Lezione 3/LabAWC-Lez3.pptx
@@ -5,7 +5,7 @@
     <p:sldMasterId id="2147483659" r:id="rId1"/>
   </p:sldMasterIdLst>
   <p:notesMasterIdLst>
-    <p:notesMasterId r:id="rId9"/>
+    <p:notesMasterId r:id="rId10"/>
   </p:notesMasterIdLst>
   <p:sldIdLst>
     <p:sldId id="256" r:id="rId2"/>
@@ -14,7 +14,8 @@
     <p:sldId id="304" r:id="rId5"/>
     <p:sldId id="262" r:id="rId6"/>
     <p:sldId id="305" r:id="rId7"/>
-    <p:sldId id="306" r:id="rId8"/>
+    <p:sldId id="307" r:id="rId8"/>
+    <p:sldId id="306" r:id="rId9"/>
   </p:sldIdLst>
   <p:sldSz cx="9144000" cy="6858000" type="screen4x3"/>
   <p:notesSz cx="6858000" cy="9144000"/>
@@ -2676,6 +2677,209 @@
     </p:spTree>
     <p:extLst>
       <p:ext uri="{BB962C8B-B14F-4D97-AF65-F5344CB8AC3E}">
+        <p14:creationId xmlns:p14="http://schemas.microsoft.com/office/powerpoint/2010/main" val="406353089"/>
+      </p:ext>
+    </p:extLst>
+  </p:cSld>
+  <p:clrMapOvr>
+    <a:masterClrMapping/>
+  </p:clrMapOvr>
+</p:notes>
+</file>
+
+<file path=ppt/notesSlides/notesSlide8.xml><?xml version="1.0" encoding="utf-8"?>
+<p:notes xmlns:a="http://schemas.openxmlformats.org/drawingml/2006/main" xmlns:r="http://schemas.openxmlformats.org/officeDocument/2006/relationships" xmlns:p="http://schemas.openxmlformats.org/presentationml/2006/main" showMasterSp="0" showMasterPhAnim="0">
+  <p:cSld>
+    <p:spTree>
+      <p:nvGrpSpPr>
+        <p:cNvPr id="1" name="Shape 101"/>
+        <p:cNvGrpSpPr/>
+        <p:nvPr/>
+      </p:nvGrpSpPr>
+      <p:grpSpPr>
+        <a:xfrm>
+          <a:off x="0" y="0"/>
+          <a:ext cx="0" cy="0"/>
+          <a:chOff x="0" y="0"/>
+          <a:chExt cx="0" cy="0"/>
+        </a:xfrm>
+      </p:grpSpPr>
+      <p:sp>
+        <p:nvSpPr>
+          <p:cNvPr id="102" name="Shape 102"/>
+          <p:cNvSpPr txBox="1">
+            <a:spLocks noGrp="1"/>
+          </p:cNvSpPr>
+          <p:nvPr>
+            <p:ph type="sldNum" idx="12"/>
+          </p:nvPr>
+        </p:nvSpPr>
+        <p:spPr>
+          <a:xfrm>
+            <a:off x="3886200" y="8686800"/>
+            <a:ext cx="2971800" cy="457200"/>
+          </a:xfrm>
+          <a:prstGeom prst="rect">
+            <a:avLst/>
+          </a:prstGeom>
+          <a:noFill/>
+          <a:ln>
+            <a:noFill/>
+          </a:ln>
+        </p:spPr>
+        <p:txBody>
+          <a:bodyPr wrap="square" lIns="91425" tIns="45700" rIns="91425" bIns="45700" anchor="b" anchorCtr="0">
+            <a:noAutofit/>
+          </a:bodyPr>
+          <a:lstStyle/>
+          <a:p>
+            <a:pPr marL="0" marR="0" lvl="0" indent="0" algn="r" rtl="0">
+              <a:spcBef>
+                <a:spcPts val="0"/>
+              </a:spcBef>
+              <a:spcAft>
+                <a:spcPts val="0"/>
+              </a:spcAft>
+              <a:buNone/>
+            </a:pPr>
+            <a:fld id="{00000000-1234-1234-1234-123412341234}" type="slidenum">
+              <a:rPr lang="it-IT" sz="1200">
+                <a:solidFill>
+                  <a:schemeClr val="dk1"/>
+                </a:solidFill>
+                <a:latin typeface="Arial"/>
+                <a:ea typeface="Arial"/>
+                <a:cs typeface="Arial"/>
+                <a:sym typeface="Arial"/>
+              </a:rPr>
+              <a:t>8</a:t>
+            </a:fld>
+            <a:endParaRPr sz="1200">
+              <a:solidFill>
+                <a:schemeClr val="dk1"/>
+              </a:solidFill>
+              <a:latin typeface="Arial"/>
+              <a:ea typeface="Arial"/>
+              <a:cs typeface="Arial"/>
+              <a:sym typeface="Arial"/>
+            </a:endParaRPr>
+          </a:p>
+        </p:txBody>
+      </p:sp>
+      <p:sp>
+        <p:nvSpPr>
+          <p:cNvPr id="103" name="Shape 103"/>
+          <p:cNvSpPr>
+            <a:spLocks noGrp="1" noRot="1" noChangeAspect="1"/>
+          </p:cNvSpPr>
+          <p:nvPr>
+            <p:ph type="sldImg" idx="2"/>
+          </p:nvPr>
+        </p:nvSpPr>
+        <p:spPr>
+          <a:xfrm>
+            <a:off x="1143000" y="685800"/>
+            <a:ext cx="4572000" cy="3429000"/>
+          </a:xfrm>
+          <a:custGeom>
+            <a:avLst/>
+            <a:gdLst/>
+            <a:ahLst/>
+            <a:cxnLst/>
+            <a:rect l="0" t="0" r="0" b="0"/>
+            <a:pathLst>
+              <a:path w="120000" h="120000" extrusionOk="0">
+                <a:moveTo>
+                  <a:pt x="0" y="0"/>
+                </a:moveTo>
+                <a:lnTo>
+                  <a:pt x="120000" y="0"/>
+                </a:lnTo>
+                <a:lnTo>
+                  <a:pt x="120000" y="120000"/>
+                </a:lnTo>
+                <a:lnTo>
+                  <a:pt x="0" y="120000"/>
+                </a:lnTo>
+                <a:close/>
+              </a:path>
+            </a:pathLst>
+          </a:custGeom>
+          <a:solidFill>
+            <a:srgbClr val="FFFFFF"/>
+          </a:solidFill>
+          <a:ln w="9525" cap="flat" cmpd="sng">
+            <a:solidFill>
+              <a:srgbClr val="000000"/>
+            </a:solidFill>
+            <a:prstDash val="solid"/>
+            <a:miter lim="800000"/>
+            <a:headEnd type="none" w="med" len="med"/>
+            <a:tailEnd type="none" w="med" len="med"/>
+          </a:ln>
+        </p:spPr>
+      </p:sp>
+      <p:sp>
+        <p:nvSpPr>
+          <p:cNvPr id="104" name="Shape 104"/>
+          <p:cNvSpPr txBox="1">
+            <a:spLocks noGrp="1"/>
+          </p:cNvSpPr>
+          <p:nvPr>
+            <p:ph type="body" idx="1"/>
+          </p:nvPr>
+        </p:nvSpPr>
+        <p:spPr>
+          <a:xfrm>
+            <a:off x="914400" y="4343400"/>
+            <a:ext cx="5029200" cy="4114800"/>
+          </a:xfrm>
+          <a:prstGeom prst="rect">
+            <a:avLst/>
+          </a:prstGeom>
+          <a:solidFill>
+            <a:srgbClr val="FFFFFF"/>
+          </a:solidFill>
+          <a:ln w="9525" cap="flat" cmpd="sng">
+            <a:solidFill>
+              <a:srgbClr val="000000"/>
+            </a:solidFill>
+            <a:prstDash val="solid"/>
+            <a:miter lim="800000"/>
+            <a:headEnd type="none" w="med" len="med"/>
+            <a:tailEnd type="none" w="med" len="med"/>
+          </a:ln>
+        </p:spPr>
+        <p:txBody>
+          <a:bodyPr wrap="square" lIns="91425" tIns="45700" rIns="91425" bIns="45700" anchor="t" anchorCtr="0">
+            <a:noAutofit/>
+          </a:bodyPr>
+          <a:lstStyle/>
+          <a:p>
+            <a:pPr marL="0" marR="0" lvl="0" indent="0" algn="l" rtl="0">
+              <a:spcBef>
+                <a:spcPts val="0"/>
+              </a:spcBef>
+              <a:spcAft>
+                <a:spcPts val="0"/>
+              </a:spcAft>
+              <a:buNone/>
+            </a:pPr>
+            <a:endParaRPr sz="1200" b="0" i="0" u="none" strike="noStrike" cap="none">
+              <a:solidFill>
+                <a:schemeClr val="dk1"/>
+              </a:solidFill>
+              <a:latin typeface="Arial"/>
+              <a:ea typeface="Arial"/>
+              <a:cs typeface="Arial"/>
+              <a:sym typeface="Arial"/>
+            </a:endParaRPr>
+          </a:p>
+        </p:txBody>
+      </p:sp>
+    </p:spTree>
+    <p:extLst>
+      <p:ext uri="{BB962C8B-B14F-4D97-AF65-F5344CB8AC3E}">
         <p14:creationId xmlns:p14="http://schemas.microsoft.com/office/powerpoint/2010/main" val="681548392"/>
       </p:ext>
     </p:extLst>
@@ -3180,953 +3384,6 @@
 </file>
 
 <file path=ppt/slideLayouts/slideLayout2.xml><?xml version="1.0" encoding="utf-8"?>
-<p:sldLayout xmlns:a="http://schemas.openxmlformats.org/drawingml/2006/main" xmlns:r="http://schemas.openxmlformats.org/officeDocument/2006/relationships" xmlns:p="http://schemas.openxmlformats.org/presentationml/2006/main" type="secHead">
-  <p:cSld name="Section Header">
-    <p:spTree>
-      <p:nvGrpSpPr>
-        <p:cNvPr id="1" name="Shape 31"/>
-        <p:cNvGrpSpPr/>
-        <p:nvPr/>
-      </p:nvGrpSpPr>
-      <p:grpSpPr>
-        <a:xfrm>
-          <a:off x="0" y="0"/>
-          <a:ext cx="0" cy="0"/>
-          <a:chOff x="0" y="0"/>
-          <a:chExt cx="0" cy="0"/>
-        </a:xfrm>
-      </p:grpSpPr>
-      <p:sp>
-        <p:nvSpPr>
-          <p:cNvPr id="32" name="Shape 32"/>
-          <p:cNvSpPr txBox="1">
-            <a:spLocks noGrp="1"/>
-          </p:cNvSpPr>
-          <p:nvPr>
-            <p:ph type="title"/>
-          </p:nvPr>
-        </p:nvSpPr>
-        <p:spPr>
-          <a:xfrm>
-            <a:off x="623888" y="1709738"/>
-            <a:ext cx="7886700" cy="2852737"/>
-          </a:xfrm>
-          <a:prstGeom prst="rect">
-            <a:avLst/>
-          </a:prstGeom>
-          <a:noFill/>
-          <a:ln>
-            <a:noFill/>
-          </a:ln>
-        </p:spPr>
-        <p:txBody>
-          <a:bodyPr wrap="square" lIns="91425" tIns="91425" rIns="91425" bIns="91425" anchor="b" anchorCtr="0"/>
-          <a:lstStyle>
-            <a:lvl1pPr marL="0" marR="0" lvl="0" indent="0" algn="ctr" rtl="0">
-              <a:spcBef>
-                <a:spcPts val="0"/>
-              </a:spcBef>
-              <a:spcAft>
-                <a:spcPts val="0"/>
-              </a:spcAft>
-              <a:buSzPts val="1400"/>
-              <a:buNone/>
-              <a:defRPr sz="6000" b="0" i="0" u="none" strike="noStrike" cap="none">
-                <a:solidFill>
-                  <a:schemeClr val="dk2"/>
-                </a:solidFill>
-                <a:latin typeface="Arial"/>
-                <a:ea typeface="Arial"/>
-                <a:cs typeface="Arial"/>
-                <a:sym typeface="Arial"/>
-              </a:defRPr>
-            </a:lvl1pPr>
-            <a:lvl2pPr marL="0" marR="0" lvl="1" indent="0" algn="ctr" rtl="0">
-              <a:spcBef>
-                <a:spcPts val="0"/>
-              </a:spcBef>
-              <a:spcAft>
-                <a:spcPts val="0"/>
-              </a:spcAft>
-              <a:buSzPts val="1400"/>
-              <a:buNone/>
-              <a:defRPr sz="4400" b="0" i="0" u="none" strike="noStrike" cap="none">
-                <a:solidFill>
-                  <a:schemeClr val="dk2"/>
-                </a:solidFill>
-                <a:latin typeface="Arial"/>
-                <a:ea typeface="Arial"/>
-                <a:cs typeface="Arial"/>
-                <a:sym typeface="Arial"/>
-              </a:defRPr>
-            </a:lvl2pPr>
-            <a:lvl3pPr marL="0" marR="0" lvl="2" indent="0" algn="ctr" rtl="0">
-              <a:spcBef>
-                <a:spcPts val="0"/>
-              </a:spcBef>
-              <a:spcAft>
-                <a:spcPts val="0"/>
-              </a:spcAft>
-              <a:buSzPts val="1400"/>
-              <a:buNone/>
-              <a:defRPr sz="4400" b="0" i="0" u="none" strike="noStrike" cap="none">
-                <a:solidFill>
-                  <a:schemeClr val="dk2"/>
-                </a:solidFill>
-                <a:latin typeface="Arial"/>
-                <a:ea typeface="Arial"/>
-                <a:cs typeface="Arial"/>
-                <a:sym typeface="Arial"/>
-              </a:defRPr>
-            </a:lvl3pPr>
-            <a:lvl4pPr marL="0" marR="0" lvl="3" indent="0" algn="ctr" rtl="0">
-              <a:spcBef>
-                <a:spcPts val="0"/>
-              </a:spcBef>
-              <a:spcAft>
-                <a:spcPts val="0"/>
-              </a:spcAft>
-              <a:buSzPts val="1400"/>
-              <a:buNone/>
-              <a:defRPr sz="4400" b="0" i="0" u="none" strike="noStrike" cap="none">
-                <a:solidFill>
-                  <a:schemeClr val="dk2"/>
-                </a:solidFill>
-                <a:latin typeface="Arial"/>
-                <a:ea typeface="Arial"/>
-                <a:cs typeface="Arial"/>
-                <a:sym typeface="Arial"/>
-              </a:defRPr>
-            </a:lvl4pPr>
-            <a:lvl5pPr marL="0" marR="0" lvl="4" indent="0" algn="ctr" rtl="0">
-              <a:spcBef>
-                <a:spcPts val="0"/>
-              </a:spcBef>
-              <a:spcAft>
-                <a:spcPts val="0"/>
-              </a:spcAft>
-              <a:buSzPts val="1400"/>
-              <a:buNone/>
-              <a:defRPr sz="4400" b="0" i="0" u="none" strike="noStrike" cap="none">
-                <a:solidFill>
-                  <a:schemeClr val="dk2"/>
-                </a:solidFill>
-                <a:latin typeface="Arial"/>
-                <a:ea typeface="Arial"/>
-                <a:cs typeface="Arial"/>
-                <a:sym typeface="Arial"/>
-              </a:defRPr>
-            </a:lvl5pPr>
-            <a:lvl6pPr marL="457200" marR="0" lvl="5" indent="0" algn="ctr" rtl="0">
-              <a:spcBef>
-                <a:spcPts val="0"/>
-              </a:spcBef>
-              <a:spcAft>
-                <a:spcPts val="0"/>
-              </a:spcAft>
-              <a:buSzPts val="1400"/>
-              <a:buNone/>
-              <a:defRPr sz="4400" b="0" i="0" u="none" strike="noStrike" cap="none">
-                <a:solidFill>
-                  <a:schemeClr val="dk2"/>
-                </a:solidFill>
-                <a:latin typeface="Arial"/>
-                <a:ea typeface="Arial"/>
-                <a:cs typeface="Arial"/>
-                <a:sym typeface="Arial"/>
-              </a:defRPr>
-            </a:lvl6pPr>
-            <a:lvl7pPr marL="914400" marR="0" lvl="6" indent="0" algn="ctr" rtl="0">
-              <a:spcBef>
-                <a:spcPts val="0"/>
-              </a:spcBef>
-              <a:spcAft>
-                <a:spcPts val="0"/>
-              </a:spcAft>
-              <a:buSzPts val="1400"/>
-              <a:buNone/>
-              <a:defRPr sz="4400" b="0" i="0" u="none" strike="noStrike" cap="none">
-                <a:solidFill>
-                  <a:schemeClr val="dk2"/>
-                </a:solidFill>
-                <a:latin typeface="Arial"/>
-                <a:ea typeface="Arial"/>
-                <a:cs typeface="Arial"/>
-                <a:sym typeface="Arial"/>
-              </a:defRPr>
-            </a:lvl7pPr>
-            <a:lvl8pPr marL="1371600" marR="0" lvl="7" indent="0" algn="ctr" rtl="0">
-              <a:spcBef>
-                <a:spcPts val="0"/>
-              </a:spcBef>
-              <a:spcAft>
-                <a:spcPts val="0"/>
-              </a:spcAft>
-              <a:buSzPts val="1400"/>
-              <a:buNone/>
-              <a:defRPr sz="4400" b="0" i="0" u="none" strike="noStrike" cap="none">
-                <a:solidFill>
-                  <a:schemeClr val="dk2"/>
-                </a:solidFill>
-                <a:latin typeface="Arial"/>
-                <a:ea typeface="Arial"/>
-                <a:cs typeface="Arial"/>
-                <a:sym typeface="Arial"/>
-              </a:defRPr>
-            </a:lvl8pPr>
-            <a:lvl9pPr marL="1828800" marR="0" lvl="8" indent="0" algn="ctr" rtl="0">
-              <a:spcBef>
-                <a:spcPts val="0"/>
-              </a:spcBef>
-              <a:spcAft>
-                <a:spcPts val="0"/>
-              </a:spcAft>
-              <a:buSzPts val="1400"/>
-              <a:buNone/>
-              <a:defRPr sz="4400" b="0" i="0" u="none" strike="noStrike" cap="none">
-                <a:solidFill>
-                  <a:schemeClr val="dk2"/>
-                </a:solidFill>
-                <a:latin typeface="Arial"/>
-                <a:ea typeface="Arial"/>
-                <a:cs typeface="Arial"/>
-                <a:sym typeface="Arial"/>
-              </a:defRPr>
-            </a:lvl9pPr>
-          </a:lstStyle>
-          <a:p>
-            <a:endParaRPr/>
-          </a:p>
-        </p:txBody>
-      </p:sp>
-      <p:sp>
-        <p:nvSpPr>
-          <p:cNvPr id="33" name="Shape 33"/>
-          <p:cNvSpPr txBox="1">
-            <a:spLocks noGrp="1"/>
-          </p:cNvSpPr>
-          <p:nvPr>
-            <p:ph type="body" idx="1"/>
-          </p:nvPr>
-        </p:nvSpPr>
-        <p:spPr>
-          <a:xfrm>
-            <a:off x="623888" y="4589463"/>
-            <a:ext cx="7886700" cy="1500187"/>
-          </a:xfrm>
-          <a:prstGeom prst="rect">
-            <a:avLst/>
-          </a:prstGeom>
-          <a:noFill/>
-          <a:ln>
-            <a:noFill/>
-          </a:ln>
-        </p:spPr>
-        <p:txBody>
-          <a:bodyPr wrap="square" lIns="91425" tIns="91425" rIns="91425" bIns="91425" anchor="t" anchorCtr="0"/>
-          <a:lstStyle>
-            <a:lvl1pPr marL="457200" marR="0" lvl="0" indent="-228600" algn="l" rtl="0">
-              <a:spcBef>
-                <a:spcPts val="480"/>
-              </a:spcBef>
-              <a:spcAft>
-                <a:spcPts val="0"/>
-              </a:spcAft>
-              <a:buClr>
-                <a:schemeClr val="dk1"/>
-              </a:buClr>
-              <a:buSzPts val="2400"/>
-              <a:buFont typeface="Arial"/>
-              <a:buNone/>
-              <a:defRPr sz="2400" b="0" i="0" u="none" strike="noStrike" cap="none">
-                <a:solidFill>
-                  <a:schemeClr val="dk1"/>
-                </a:solidFill>
-                <a:latin typeface="Arial"/>
-                <a:ea typeface="Arial"/>
-                <a:cs typeface="Arial"/>
-                <a:sym typeface="Arial"/>
-              </a:defRPr>
-            </a:lvl1pPr>
-            <a:lvl2pPr marL="914400" marR="0" lvl="1" indent="-228600" algn="l" rtl="0">
-              <a:spcBef>
-                <a:spcPts val="400"/>
-              </a:spcBef>
-              <a:spcAft>
-                <a:spcPts val="0"/>
-              </a:spcAft>
-              <a:buClr>
-                <a:schemeClr val="dk1"/>
-              </a:buClr>
-              <a:buSzPts val="2000"/>
-              <a:buFont typeface="Arial"/>
-              <a:buNone/>
-              <a:defRPr sz="2000" b="0" i="0" u="none" strike="noStrike" cap="none">
-                <a:solidFill>
-                  <a:schemeClr val="dk1"/>
-                </a:solidFill>
-                <a:latin typeface="Arial"/>
-                <a:ea typeface="Arial"/>
-                <a:cs typeface="Arial"/>
-                <a:sym typeface="Arial"/>
-              </a:defRPr>
-            </a:lvl2pPr>
-            <a:lvl3pPr marL="1371600" marR="0" lvl="2" indent="-228600" algn="l" rtl="0">
-              <a:spcBef>
-                <a:spcPts val="360"/>
-              </a:spcBef>
-              <a:spcAft>
-                <a:spcPts val="0"/>
-              </a:spcAft>
-              <a:buClr>
-                <a:schemeClr val="dk1"/>
-              </a:buClr>
-              <a:buSzPts val="1800"/>
-              <a:buFont typeface="Arial"/>
-              <a:buNone/>
-              <a:defRPr sz="1800" b="0" i="0" u="none" strike="noStrike" cap="none">
-                <a:solidFill>
-                  <a:schemeClr val="dk1"/>
-                </a:solidFill>
-                <a:latin typeface="Arial"/>
-                <a:ea typeface="Arial"/>
-                <a:cs typeface="Arial"/>
-                <a:sym typeface="Arial"/>
-              </a:defRPr>
-            </a:lvl3pPr>
-            <a:lvl4pPr marL="1828800" marR="0" lvl="3" indent="-228600" algn="l" rtl="0">
-              <a:spcBef>
-                <a:spcPts val="320"/>
-              </a:spcBef>
-              <a:spcAft>
-                <a:spcPts val="0"/>
-              </a:spcAft>
-              <a:buClr>
-                <a:schemeClr val="dk1"/>
-              </a:buClr>
-              <a:buSzPts val="1600"/>
-              <a:buFont typeface="Arial"/>
-              <a:buNone/>
-              <a:defRPr sz="1600" b="0" i="0" u="none" strike="noStrike" cap="none">
-                <a:solidFill>
-                  <a:schemeClr val="dk1"/>
-                </a:solidFill>
-                <a:latin typeface="Arial"/>
-                <a:ea typeface="Arial"/>
-                <a:cs typeface="Arial"/>
-                <a:sym typeface="Arial"/>
-              </a:defRPr>
-            </a:lvl4pPr>
-            <a:lvl5pPr marL="2286000" marR="0" lvl="4" indent="-228600" algn="l" rtl="0">
-              <a:spcBef>
-                <a:spcPts val="320"/>
-              </a:spcBef>
-              <a:spcAft>
-                <a:spcPts val="0"/>
-              </a:spcAft>
-              <a:buClr>
-                <a:schemeClr val="dk1"/>
-              </a:buClr>
-              <a:buSzPts val="1600"/>
-              <a:buFont typeface="Arial"/>
-              <a:buNone/>
-              <a:defRPr sz="1600" b="0" i="0" u="none" strike="noStrike" cap="none">
-                <a:solidFill>
-                  <a:schemeClr val="dk1"/>
-                </a:solidFill>
-                <a:latin typeface="Arial"/>
-                <a:ea typeface="Arial"/>
-                <a:cs typeface="Arial"/>
-                <a:sym typeface="Arial"/>
-              </a:defRPr>
-            </a:lvl5pPr>
-            <a:lvl6pPr marL="2743200" marR="0" lvl="5" indent="-228600" algn="l" rtl="0">
-              <a:lnSpc>
-                <a:spcPct val="90000"/>
-              </a:lnSpc>
-              <a:spcBef>
-                <a:spcPts val="500"/>
-              </a:spcBef>
-              <a:spcAft>
-                <a:spcPts val="0"/>
-              </a:spcAft>
-              <a:buClr>
-                <a:schemeClr val="dk1"/>
-              </a:buClr>
-              <a:buSzPts val="1600"/>
-              <a:buFont typeface="Arial"/>
-              <a:buNone/>
-              <a:defRPr sz="1600" b="0" i="0" u="none" strike="noStrike" cap="none">
-                <a:solidFill>
-                  <a:schemeClr val="dk1"/>
-                </a:solidFill>
-                <a:latin typeface="Arial"/>
-                <a:ea typeface="Arial"/>
-                <a:cs typeface="Arial"/>
-                <a:sym typeface="Arial"/>
-              </a:defRPr>
-            </a:lvl6pPr>
-            <a:lvl7pPr marL="3200400" marR="0" lvl="6" indent="-228600" algn="l" rtl="0">
-              <a:lnSpc>
-                <a:spcPct val="90000"/>
-              </a:lnSpc>
-              <a:spcBef>
-                <a:spcPts val="500"/>
-              </a:spcBef>
-              <a:spcAft>
-                <a:spcPts val="0"/>
-              </a:spcAft>
-              <a:buClr>
-                <a:schemeClr val="dk1"/>
-              </a:buClr>
-              <a:buSzPts val="1600"/>
-              <a:buFont typeface="Arial"/>
-              <a:buNone/>
-              <a:defRPr sz="1600" b="0" i="0" u="none" strike="noStrike" cap="none">
-                <a:solidFill>
-                  <a:schemeClr val="dk1"/>
-                </a:solidFill>
-                <a:latin typeface="Arial"/>
-                <a:ea typeface="Arial"/>
-                <a:cs typeface="Arial"/>
-                <a:sym typeface="Arial"/>
-              </a:defRPr>
-            </a:lvl7pPr>
-            <a:lvl8pPr marL="3657600" marR="0" lvl="7" indent="-228600" algn="l" rtl="0">
-              <a:lnSpc>
-                <a:spcPct val="90000"/>
-              </a:lnSpc>
-              <a:spcBef>
-                <a:spcPts val="500"/>
-              </a:spcBef>
-              <a:spcAft>
-                <a:spcPts val="0"/>
-              </a:spcAft>
-              <a:buClr>
-                <a:schemeClr val="dk1"/>
-              </a:buClr>
-              <a:buSzPts val="1600"/>
-              <a:buFont typeface="Arial"/>
-              <a:buNone/>
-              <a:defRPr sz="1600" b="0" i="0" u="none" strike="noStrike" cap="none">
-                <a:solidFill>
-                  <a:schemeClr val="dk1"/>
-                </a:solidFill>
-                <a:latin typeface="Arial"/>
-                <a:ea typeface="Arial"/>
-                <a:cs typeface="Arial"/>
-                <a:sym typeface="Arial"/>
-              </a:defRPr>
-            </a:lvl8pPr>
-            <a:lvl9pPr marL="4114800" marR="0" lvl="8" indent="-228600" algn="l" rtl="0">
-              <a:lnSpc>
-                <a:spcPct val="90000"/>
-              </a:lnSpc>
-              <a:spcBef>
-                <a:spcPts val="500"/>
-              </a:spcBef>
-              <a:spcAft>
-                <a:spcPts val="0"/>
-              </a:spcAft>
-              <a:buClr>
-                <a:schemeClr val="dk1"/>
-              </a:buClr>
-              <a:buSzPts val="1600"/>
-              <a:buFont typeface="Arial"/>
-              <a:buNone/>
-              <a:defRPr sz="1600" b="0" i="0" u="none" strike="noStrike" cap="none">
-                <a:solidFill>
-                  <a:schemeClr val="dk1"/>
-                </a:solidFill>
-                <a:latin typeface="Arial"/>
-                <a:ea typeface="Arial"/>
-                <a:cs typeface="Arial"/>
-                <a:sym typeface="Arial"/>
-              </a:defRPr>
-            </a:lvl9pPr>
-          </a:lstStyle>
-          <a:p>
-            <a:endParaRPr/>
-          </a:p>
-        </p:txBody>
-      </p:sp>
-      <p:sp>
-        <p:nvSpPr>
-          <p:cNvPr id="34" name="Shape 34"/>
-          <p:cNvSpPr txBox="1">
-            <a:spLocks noGrp="1"/>
-          </p:cNvSpPr>
-          <p:nvPr>
-            <p:ph type="dt" idx="10"/>
-          </p:nvPr>
-        </p:nvSpPr>
-        <p:spPr>
-          <a:xfrm>
-            <a:off x="685800" y="6248400"/>
-            <a:ext cx="1905000" cy="457200"/>
-          </a:xfrm>
-          <a:prstGeom prst="rect">
-            <a:avLst/>
-          </a:prstGeom>
-          <a:noFill/>
-          <a:ln>
-            <a:noFill/>
-          </a:ln>
-        </p:spPr>
-        <p:txBody>
-          <a:bodyPr wrap="square" lIns="91425" tIns="91425" rIns="91425" bIns="91425" anchor="t" anchorCtr="0"/>
-          <a:lstStyle>
-            <a:lvl1pPr marL="0" marR="0" lvl="0" indent="0" algn="l" rtl="0">
-              <a:spcBef>
-                <a:spcPts val="0"/>
-              </a:spcBef>
-              <a:spcAft>
-                <a:spcPts val="0"/>
-              </a:spcAft>
-              <a:buSzPts val="1400"/>
-              <a:buNone/>
-              <a:defRPr sz="1400">
-                <a:solidFill>
-                  <a:schemeClr val="dk1"/>
-                </a:solidFill>
-                <a:latin typeface="Arial"/>
-                <a:ea typeface="Arial"/>
-                <a:cs typeface="Arial"/>
-                <a:sym typeface="Arial"/>
-              </a:defRPr>
-            </a:lvl1pPr>
-            <a:lvl2pPr marL="457200" marR="0" lvl="1" indent="0" algn="l" rtl="0">
-              <a:spcBef>
-                <a:spcPts val="0"/>
-              </a:spcBef>
-              <a:spcAft>
-                <a:spcPts val="0"/>
-              </a:spcAft>
-              <a:buSzPts val="1400"/>
-              <a:buNone/>
-              <a:defRPr sz="1200" b="0" i="0" u="none" strike="noStrike" cap="none">
-                <a:solidFill>
-                  <a:schemeClr val="dk1"/>
-                </a:solidFill>
-                <a:latin typeface="Arial"/>
-                <a:ea typeface="Arial"/>
-                <a:cs typeface="Arial"/>
-                <a:sym typeface="Arial"/>
-              </a:defRPr>
-            </a:lvl2pPr>
-            <a:lvl3pPr marL="914400" marR="0" lvl="2" indent="0" algn="l" rtl="0">
-              <a:spcBef>
-                <a:spcPts val="0"/>
-              </a:spcBef>
-              <a:spcAft>
-                <a:spcPts val="0"/>
-              </a:spcAft>
-              <a:buSzPts val="1400"/>
-              <a:buNone/>
-              <a:defRPr sz="1200" b="0" i="0" u="none" strike="noStrike" cap="none">
-                <a:solidFill>
-                  <a:schemeClr val="dk1"/>
-                </a:solidFill>
-                <a:latin typeface="Arial"/>
-                <a:ea typeface="Arial"/>
-                <a:cs typeface="Arial"/>
-                <a:sym typeface="Arial"/>
-              </a:defRPr>
-            </a:lvl3pPr>
-            <a:lvl4pPr marL="1371600" marR="0" lvl="3" indent="0" algn="l" rtl="0">
-              <a:spcBef>
-                <a:spcPts val="0"/>
-              </a:spcBef>
-              <a:spcAft>
-                <a:spcPts val="0"/>
-              </a:spcAft>
-              <a:buSzPts val="1400"/>
-              <a:buNone/>
-              <a:defRPr sz="1200" b="0" i="0" u="none" strike="noStrike" cap="none">
-                <a:solidFill>
-                  <a:schemeClr val="dk1"/>
-                </a:solidFill>
-                <a:latin typeface="Arial"/>
-                <a:ea typeface="Arial"/>
-                <a:cs typeface="Arial"/>
-                <a:sym typeface="Arial"/>
-              </a:defRPr>
-            </a:lvl4pPr>
-            <a:lvl5pPr marL="1828800" marR="0" lvl="4" indent="0" algn="l" rtl="0">
-              <a:spcBef>
-                <a:spcPts val="0"/>
-              </a:spcBef>
-              <a:spcAft>
-                <a:spcPts val="0"/>
-              </a:spcAft>
-              <a:buSzPts val="1400"/>
-              <a:buNone/>
-              <a:defRPr sz="1200" b="0" i="0" u="none" strike="noStrike" cap="none">
-                <a:solidFill>
-                  <a:schemeClr val="dk1"/>
-                </a:solidFill>
-                <a:latin typeface="Arial"/>
-                <a:ea typeface="Arial"/>
-                <a:cs typeface="Arial"/>
-                <a:sym typeface="Arial"/>
-              </a:defRPr>
-            </a:lvl5pPr>
-            <a:lvl6pPr marL="2286000" marR="0" lvl="5" indent="0" algn="l" rtl="0">
-              <a:spcBef>
-                <a:spcPts val="0"/>
-              </a:spcBef>
-              <a:spcAft>
-                <a:spcPts val="0"/>
-              </a:spcAft>
-              <a:buSzPts val="1400"/>
-              <a:buNone/>
-              <a:defRPr sz="1200" b="0" i="0" u="none" strike="noStrike" cap="none">
-                <a:solidFill>
-                  <a:schemeClr val="dk1"/>
-                </a:solidFill>
-                <a:latin typeface="Arial"/>
-                <a:ea typeface="Arial"/>
-                <a:cs typeface="Arial"/>
-                <a:sym typeface="Arial"/>
-              </a:defRPr>
-            </a:lvl6pPr>
-            <a:lvl7pPr marL="2743200" marR="0" lvl="6" indent="0" algn="l" rtl="0">
-              <a:spcBef>
-                <a:spcPts val="0"/>
-              </a:spcBef>
-              <a:spcAft>
-                <a:spcPts val="0"/>
-              </a:spcAft>
-              <a:buSzPts val="1400"/>
-              <a:buNone/>
-              <a:defRPr sz="1200" b="0" i="0" u="none" strike="noStrike" cap="none">
-                <a:solidFill>
-                  <a:schemeClr val="dk1"/>
-                </a:solidFill>
-                <a:latin typeface="Arial"/>
-                <a:ea typeface="Arial"/>
-                <a:cs typeface="Arial"/>
-                <a:sym typeface="Arial"/>
-              </a:defRPr>
-            </a:lvl7pPr>
-            <a:lvl8pPr marL="3200400" marR="0" lvl="7" indent="0" algn="l" rtl="0">
-              <a:spcBef>
-                <a:spcPts val="0"/>
-              </a:spcBef>
-              <a:spcAft>
-                <a:spcPts val="0"/>
-              </a:spcAft>
-              <a:buSzPts val="1400"/>
-              <a:buNone/>
-              <a:defRPr sz="1200" b="0" i="0" u="none" strike="noStrike" cap="none">
-                <a:solidFill>
-                  <a:schemeClr val="dk1"/>
-                </a:solidFill>
-                <a:latin typeface="Arial"/>
-                <a:ea typeface="Arial"/>
-                <a:cs typeface="Arial"/>
-                <a:sym typeface="Arial"/>
-              </a:defRPr>
-            </a:lvl8pPr>
-            <a:lvl9pPr marL="3657600" marR="0" lvl="8" indent="0" algn="l" rtl="0">
-              <a:spcBef>
-                <a:spcPts val="0"/>
-              </a:spcBef>
-              <a:spcAft>
-                <a:spcPts val="0"/>
-              </a:spcAft>
-              <a:buSzPts val="1400"/>
-              <a:buNone/>
-              <a:defRPr sz="1200" b="0" i="0" u="none" strike="noStrike" cap="none">
-                <a:solidFill>
-                  <a:schemeClr val="dk1"/>
-                </a:solidFill>
-                <a:latin typeface="Arial"/>
-                <a:ea typeface="Arial"/>
-                <a:cs typeface="Arial"/>
-                <a:sym typeface="Arial"/>
-              </a:defRPr>
-            </a:lvl9pPr>
-          </a:lstStyle>
-          <a:p>
-            <a:endParaRPr/>
-          </a:p>
-        </p:txBody>
-      </p:sp>
-      <p:sp>
-        <p:nvSpPr>
-          <p:cNvPr id="35" name="Shape 35"/>
-          <p:cNvSpPr txBox="1">
-            <a:spLocks noGrp="1"/>
-          </p:cNvSpPr>
-          <p:nvPr>
-            <p:ph type="ftr" idx="11"/>
-          </p:nvPr>
-        </p:nvSpPr>
-        <p:spPr>
-          <a:xfrm>
-            <a:off x="3124200" y="6248400"/>
-            <a:ext cx="2895600" cy="457200"/>
-          </a:xfrm>
-          <a:prstGeom prst="rect">
-            <a:avLst/>
-          </a:prstGeom>
-          <a:noFill/>
-          <a:ln>
-            <a:noFill/>
-          </a:ln>
-        </p:spPr>
-        <p:txBody>
-          <a:bodyPr wrap="square" lIns="91425" tIns="91425" rIns="91425" bIns="91425" anchor="t" anchorCtr="0"/>
-          <a:lstStyle>
-            <a:lvl1pPr marL="0" marR="0" lvl="0" indent="0" algn="ctr" rtl="0">
-              <a:spcBef>
-                <a:spcPts val="0"/>
-              </a:spcBef>
-              <a:spcAft>
-                <a:spcPts val="0"/>
-              </a:spcAft>
-              <a:buSzPts val="1400"/>
-              <a:buNone/>
-              <a:defRPr sz="1400">
-                <a:solidFill>
-                  <a:schemeClr val="dk1"/>
-                </a:solidFill>
-                <a:latin typeface="Arial"/>
-                <a:ea typeface="Arial"/>
-                <a:cs typeface="Arial"/>
-                <a:sym typeface="Arial"/>
-              </a:defRPr>
-            </a:lvl1pPr>
-            <a:lvl2pPr marL="457200" marR="0" lvl="1" indent="0" algn="l" rtl="0">
-              <a:spcBef>
-                <a:spcPts val="0"/>
-              </a:spcBef>
-              <a:spcAft>
-                <a:spcPts val="0"/>
-              </a:spcAft>
-              <a:buSzPts val="1400"/>
-              <a:buNone/>
-              <a:defRPr sz="1200" b="0" i="0" u="none" strike="noStrike" cap="none">
-                <a:solidFill>
-                  <a:schemeClr val="dk1"/>
-                </a:solidFill>
-                <a:latin typeface="Arial"/>
-                <a:ea typeface="Arial"/>
-                <a:cs typeface="Arial"/>
-                <a:sym typeface="Arial"/>
-              </a:defRPr>
-            </a:lvl2pPr>
-            <a:lvl3pPr marL="914400" marR="0" lvl="2" indent="0" algn="l" rtl="0">
-              <a:spcBef>
-                <a:spcPts val="0"/>
-              </a:spcBef>
-              <a:spcAft>
-                <a:spcPts val="0"/>
-              </a:spcAft>
-              <a:buSzPts val="1400"/>
-              <a:buNone/>
-              <a:defRPr sz="1200" b="0" i="0" u="none" strike="noStrike" cap="none">
-                <a:solidFill>
-                  <a:schemeClr val="dk1"/>
-                </a:solidFill>
-                <a:latin typeface="Arial"/>
-                <a:ea typeface="Arial"/>
-                <a:cs typeface="Arial"/>
-                <a:sym typeface="Arial"/>
-              </a:defRPr>
-            </a:lvl3pPr>
-            <a:lvl4pPr marL="1371600" marR="0" lvl="3" indent="0" algn="l" rtl="0">
-              <a:spcBef>
-                <a:spcPts val="0"/>
-              </a:spcBef>
-              <a:spcAft>
-                <a:spcPts val="0"/>
-              </a:spcAft>
-              <a:buSzPts val="1400"/>
-              <a:buNone/>
-              <a:defRPr sz="1200" b="0" i="0" u="none" strike="noStrike" cap="none">
-                <a:solidFill>
-                  <a:schemeClr val="dk1"/>
-                </a:solidFill>
-                <a:latin typeface="Arial"/>
-                <a:ea typeface="Arial"/>
-                <a:cs typeface="Arial"/>
-                <a:sym typeface="Arial"/>
-              </a:defRPr>
-            </a:lvl4pPr>
-            <a:lvl5pPr marL="1828800" marR="0" lvl="4" indent="0" algn="l" rtl="0">
-              <a:spcBef>
-                <a:spcPts val="0"/>
-              </a:spcBef>
-              <a:spcAft>
-                <a:spcPts val="0"/>
-              </a:spcAft>
-              <a:buSzPts val="1400"/>
-              <a:buNone/>
-              <a:defRPr sz="1200" b="0" i="0" u="none" strike="noStrike" cap="none">
-                <a:solidFill>
-                  <a:schemeClr val="dk1"/>
-                </a:solidFill>
-                <a:latin typeface="Arial"/>
-                <a:ea typeface="Arial"/>
-                <a:cs typeface="Arial"/>
-                <a:sym typeface="Arial"/>
-              </a:defRPr>
-            </a:lvl5pPr>
-            <a:lvl6pPr marL="2286000" marR="0" lvl="5" indent="0" algn="l" rtl="0">
-              <a:spcBef>
-                <a:spcPts val="0"/>
-              </a:spcBef>
-              <a:spcAft>
-                <a:spcPts val="0"/>
-              </a:spcAft>
-              <a:buSzPts val="1400"/>
-              <a:buNone/>
-              <a:defRPr sz="1200" b="0" i="0" u="none" strike="noStrike" cap="none">
-                <a:solidFill>
-                  <a:schemeClr val="dk1"/>
-                </a:solidFill>
-                <a:latin typeface="Arial"/>
-                <a:ea typeface="Arial"/>
-                <a:cs typeface="Arial"/>
-                <a:sym typeface="Arial"/>
-              </a:defRPr>
-            </a:lvl6pPr>
-            <a:lvl7pPr marL="2743200" marR="0" lvl="6" indent="0" algn="l" rtl="0">
-              <a:spcBef>
-                <a:spcPts val="0"/>
-              </a:spcBef>
-              <a:spcAft>
-                <a:spcPts val="0"/>
-              </a:spcAft>
-              <a:buSzPts val="1400"/>
-              <a:buNone/>
-              <a:defRPr sz="1200" b="0" i="0" u="none" strike="noStrike" cap="none">
-                <a:solidFill>
-                  <a:schemeClr val="dk1"/>
-                </a:solidFill>
-                <a:latin typeface="Arial"/>
-                <a:ea typeface="Arial"/>
-                <a:cs typeface="Arial"/>
-                <a:sym typeface="Arial"/>
-              </a:defRPr>
-            </a:lvl7pPr>
-            <a:lvl8pPr marL="3200400" marR="0" lvl="7" indent="0" algn="l" rtl="0">
-              <a:spcBef>
-                <a:spcPts val="0"/>
-              </a:spcBef>
-              <a:spcAft>
-                <a:spcPts val="0"/>
-              </a:spcAft>
-              <a:buSzPts val="1400"/>
-              <a:buNone/>
-              <a:defRPr sz="1200" b="0" i="0" u="none" strike="noStrike" cap="none">
-                <a:solidFill>
-                  <a:schemeClr val="dk1"/>
-                </a:solidFill>
-                <a:latin typeface="Arial"/>
-                <a:ea typeface="Arial"/>
-                <a:cs typeface="Arial"/>
-                <a:sym typeface="Arial"/>
-              </a:defRPr>
-            </a:lvl8pPr>
-            <a:lvl9pPr marL="3657600" marR="0" lvl="8" indent="0" algn="l" rtl="0">
-              <a:spcBef>
-                <a:spcPts val="0"/>
-              </a:spcBef>
-              <a:spcAft>
-                <a:spcPts val="0"/>
-              </a:spcAft>
-              <a:buSzPts val="1400"/>
-              <a:buNone/>
-              <a:defRPr sz="1200" b="0" i="0" u="none" strike="noStrike" cap="none">
-                <a:solidFill>
-                  <a:schemeClr val="dk1"/>
-                </a:solidFill>
-                <a:latin typeface="Arial"/>
-                <a:ea typeface="Arial"/>
-                <a:cs typeface="Arial"/>
-                <a:sym typeface="Arial"/>
-              </a:defRPr>
-            </a:lvl9pPr>
-          </a:lstStyle>
-          <a:p>
-            <a:endParaRPr/>
-          </a:p>
-        </p:txBody>
-      </p:sp>
-      <p:sp>
-        <p:nvSpPr>
-          <p:cNvPr id="36" name="Shape 36"/>
-          <p:cNvSpPr txBox="1">
-            <a:spLocks noGrp="1"/>
-          </p:cNvSpPr>
-          <p:nvPr>
-            <p:ph type="sldNum" idx="12"/>
-          </p:nvPr>
-        </p:nvSpPr>
-        <p:spPr>
-          <a:xfrm>
-            <a:off x="6553200" y="6248400"/>
-            <a:ext cx="1905000" cy="457200"/>
-          </a:xfrm>
-          <a:prstGeom prst="rect">
-            <a:avLst/>
-          </a:prstGeom>
-          <a:noFill/>
-          <a:ln>
-            <a:noFill/>
-          </a:ln>
-        </p:spPr>
-        <p:txBody>
-          <a:bodyPr wrap="square" lIns="91425" tIns="45700" rIns="91425" bIns="45700" anchor="t" anchorCtr="0">
-            <a:noAutofit/>
-          </a:bodyPr>
-          <a:lstStyle/>
-          <a:p>
-            <a:pPr marL="0" marR="0" lvl="0" indent="0" algn="r" rtl="0">
-              <a:spcBef>
-                <a:spcPts val="0"/>
-              </a:spcBef>
-              <a:spcAft>
-                <a:spcPts val="0"/>
-              </a:spcAft>
-              <a:buNone/>
-            </a:pPr>
-            <a:fld id="{00000000-1234-1234-1234-123412341234}" type="slidenum">
-              <a:rPr lang="it-IT" sz="1400">
-                <a:solidFill>
-                  <a:schemeClr val="dk1"/>
-                </a:solidFill>
-                <a:latin typeface="Arial"/>
-                <a:ea typeface="Arial"/>
-                <a:cs typeface="Arial"/>
-                <a:sym typeface="Arial"/>
-              </a:rPr>
-              <a:t>‹#›</a:t>
-            </a:fld>
-            <a:endParaRPr sz="1400">
-              <a:solidFill>
-                <a:schemeClr val="dk1"/>
-              </a:solidFill>
-              <a:latin typeface="Arial"/>
-              <a:ea typeface="Arial"/>
-              <a:cs typeface="Arial"/>
-              <a:sym typeface="Arial"/>
-            </a:endParaRPr>
-          </a:p>
-        </p:txBody>
-      </p:sp>
-    </p:spTree>
-  </p:cSld>
-  <p:clrMapOvr>
-    <a:masterClrMapping/>
-  </p:clrMapOvr>
-</p:sldLayout>
-</file>
-
-<file path=ppt/slideLayouts/slideLayout3.xml><?xml version="1.0" encoding="utf-8"?>
 <p:sldLayout xmlns:a="http://schemas.openxmlformats.org/drawingml/2006/main" xmlns:r="http://schemas.openxmlformats.org/officeDocument/2006/relationships" xmlns:p="http://schemas.openxmlformats.org/presentationml/2006/main" type="twoObj">
   <p:cSld name="Two Content">
     <p:spTree>
@@ -5324,7 +4581,7 @@
 </p:sldLayout>
 </file>
 
-<file path=ppt/slideLayouts/slideLayout4.xml><?xml version="1.0" encoding="utf-8"?>
+<file path=ppt/slideLayouts/slideLayout3.xml><?xml version="1.0" encoding="utf-8"?>
 <p:sldLayout xmlns:a="http://schemas.openxmlformats.org/drawingml/2006/main" xmlns:r="http://schemas.openxmlformats.org/officeDocument/2006/relationships" xmlns:p="http://schemas.openxmlformats.org/presentationml/2006/main" type="twoTxTwoObj">
   <p:cSld name="Comparison">
     <p:spTree>
@@ -7024,7 +6281,7 @@
 </p:sldLayout>
 </file>
 
-<file path=ppt/slideLayouts/slideLayout5.xml><?xml version="1.0" encoding="utf-8"?>
+<file path=ppt/slideLayouts/slideLayout4.xml><?xml version="1.0" encoding="utf-8"?>
 <p:sldLayout xmlns:a="http://schemas.openxmlformats.org/drawingml/2006/main" xmlns:r="http://schemas.openxmlformats.org/officeDocument/2006/relationships" xmlns:p="http://schemas.openxmlformats.org/presentationml/2006/main" type="titleOnly">
   <p:cSld name="Title Only">
     <p:spTree>
@@ -7720,7 +6977,7 @@
 </p:sldLayout>
 </file>
 
-<file path=ppt/slideLayouts/slideLayout6.xml><?xml version="1.0" encoding="utf-8"?>
+<file path=ppt/slideLayouts/slideLayout5.xml><?xml version="1.0" encoding="utf-8"?>
 <p:sldLayout xmlns:a="http://schemas.openxmlformats.org/drawingml/2006/main" xmlns:r="http://schemas.openxmlformats.org/officeDocument/2006/relationships" xmlns:p="http://schemas.openxmlformats.org/presentationml/2006/main" type="objTx">
   <p:cSld name="Content with Caption">
     <p:spTree>
@@ -8918,7 +8175,7 @@
 </p:sldLayout>
 </file>
 
-<file path=ppt/slideLayouts/slideLayout7.xml><?xml version="1.0" encoding="utf-8"?>
+<file path=ppt/slideLayouts/slideLayout6.xml><?xml version="1.0" encoding="utf-8"?>
 <p:sldLayout xmlns:a="http://schemas.openxmlformats.org/drawingml/2006/main" xmlns:r="http://schemas.openxmlformats.org/officeDocument/2006/relationships" xmlns:p="http://schemas.openxmlformats.org/presentationml/2006/main" type="picTx">
   <p:cSld name="Picture with Caption">
     <p:spTree>
@@ -10116,7 +9373,7 @@
 </p:sldLayout>
 </file>
 
-<file path=ppt/slideLayouts/slideLayout8.xml><?xml version="1.0" encoding="utf-8"?>
+<file path=ppt/slideLayouts/slideLayout7.xml><?xml version="1.0" encoding="utf-8"?>
 <p:sldLayout xmlns:a="http://schemas.openxmlformats.org/drawingml/2006/main" xmlns:r="http://schemas.openxmlformats.org/officeDocument/2006/relationships" xmlns:p="http://schemas.openxmlformats.org/presentationml/2006/main" type="vertTx">
   <p:cSld name="Title and Vertical Text">
     <p:spTree>
@@ -11063,7 +10320,7 @@
 </p:sldLayout>
 </file>
 
-<file path=ppt/slideLayouts/slideLayout9.xml><?xml version="1.0" encoding="utf-8"?>
+<file path=ppt/slideLayouts/slideLayout8.xml><?xml version="1.0" encoding="utf-8"?>
 <p:sldLayout xmlns:a="http://schemas.openxmlformats.org/drawingml/2006/main" xmlns:r="http://schemas.openxmlformats.org/officeDocument/2006/relationships" xmlns:p="http://schemas.openxmlformats.org/presentationml/2006/main" type="vertTitleAndTx">
   <p:cSld name="Vertical Title and Text">
     <p:spTree>
@@ -12962,14 +12219,13 @@
   <p:clrMap bg1="lt1" tx1="dk1" bg2="dk2" tx2="lt2" accent1="accent1" accent2="accent2" accent3="accent3" accent4="accent4" accent5="accent5" accent6="accent6" hlink="hlink" folHlink="folHlink"/>
   <p:sldLayoutIdLst>
     <p:sldLayoutId id="2147483648" r:id="rId1"/>
-    <p:sldLayoutId id="2147483651" r:id="rId2"/>
-    <p:sldLayoutId id="2147483652" r:id="rId3"/>
-    <p:sldLayoutId id="2147483653" r:id="rId4"/>
-    <p:sldLayoutId id="2147483654" r:id="rId5"/>
-    <p:sldLayoutId id="2147483655" r:id="rId6"/>
-    <p:sldLayoutId id="2147483656" r:id="rId7"/>
-    <p:sldLayoutId id="2147483657" r:id="rId8"/>
-    <p:sldLayoutId id="2147483658" r:id="rId9"/>
+    <p:sldLayoutId id="2147483652" r:id="rId2"/>
+    <p:sldLayoutId id="2147483653" r:id="rId3"/>
+    <p:sldLayoutId id="2147483654" r:id="rId4"/>
+    <p:sldLayoutId id="2147483655" r:id="rId5"/>
+    <p:sldLayoutId id="2147483656" r:id="rId6"/>
+    <p:sldLayoutId id="2147483657" r:id="rId7"/>
+    <p:sldLayoutId id="2147483658" r:id="rId8"/>
   </p:sldLayoutIdLst>
   <p:hf sldNum="0" hdr="0" ftr="0" dt="0"/>
   <p:txStyles>
@@ -15934,7 +15190,7 @@
               <a:buNone/>
             </a:pPr>
             <a:r>
-              <a:rPr lang="it-IT" sz="2800" b="1" smtClean="0">
+              <a:rPr lang="it-IT" sz="2800" b="1" dirty="0" smtClean="0">
                 <a:solidFill>
                   <a:srgbClr val="172171"/>
                 </a:solidFill>
@@ -15943,7 +15199,7 @@
                 <a:cs typeface="Trebuchet MS"/>
                 <a:sym typeface="Trebuchet MS"/>
               </a:rPr>
-              <a:t>Accesso Storage tramite </a:t>
+              <a:t>Richieste HTTP in </a:t>
             </a:r>
             <a:r>
               <a:rPr lang="it-IT" sz="2800" b="1" dirty="0" err="1" smtClean="0">
@@ -15955,7 +15211,7 @@
                 <a:cs typeface="Trebuchet MS"/>
                 <a:sym typeface="Trebuchet MS"/>
               </a:rPr>
-              <a:t>Javascript</a:t>
+              <a:t>javascript</a:t>
             </a:r>
             <a:endParaRPr sz="2800" b="1" i="0" u="none" strike="noStrike" cap="none" dirty="0">
               <a:solidFill>
@@ -15971,14 +15227,14 @@
       </p:sp>
       <p:sp>
         <p:nvSpPr>
-          <p:cNvPr id="3" name="Rectangle 2"/>
+          <p:cNvPr id="6" name="Rectangle 5"/>
           <p:cNvSpPr/>
           <p:nvPr/>
         </p:nvSpPr>
         <p:spPr>
           <a:xfrm>
-            <a:off x="561975" y="2281025"/>
-            <a:ext cx="7700676" cy="2308324"/>
+            <a:off x="-1" y="2413338"/>
+            <a:ext cx="9144001" cy="2862322"/>
           </a:xfrm>
           <a:prstGeom prst="rect">
             <a:avLst/>
@@ -15991,180 +15247,86 @@
           <a:lstStyle/>
           <a:p>
             <a:r>
-              <a:rPr lang="en-US" sz="1600" dirty="0" smtClean="0">
+              <a:rPr lang="en-US" sz="1800" dirty="0" err="1" smtClean="0">
                 <a:latin typeface="Consolas" charset="0"/>
                 <a:ea typeface="Consolas" charset="0"/>
                 <a:cs typeface="Consolas" charset="0"/>
               </a:rPr>
-              <a:t>  </a:t>
-            </a:r>
-            <a:r>
-              <a:rPr lang="en-US" sz="1600" dirty="0" err="1" smtClean="0">
+              <a:t>var</a:t>
+            </a:r>
+            <a:r>
+              <a:rPr lang="en-US" sz="1800" dirty="0" smtClean="0">
                 <a:latin typeface="Consolas" charset="0"/>
                 <a:ea typeface="Consolas" charset="0"/>
                 <a:cs typeface="Consolas" charset="0"/>
               </a:rPr>
-              <a:t>var</a:t>
-            </a:r>
-            <a:r>
-              <a:rPr lang="en-US" sz="1600" dirty="0" smtClean="0">
+              <a:t> </a:t>
+            </a:r>
+            <a:r>
+              <a:rPr lang="en-US" sz="1800" dirty="0" err="1" smtClean="0">
                 <a:latin typeface="Consolas" charset="0"/>
                 <a:ea typeface="Consolas" charset="0"/>
                 <a:cs typeface="Consolas" charset="0"/>
               </a:rPr>
-              <a:t> </a:t>
-            </a:r>
-            <a:r>
-              <a:rPr lang="en-US" sz="1600" dirty="0">
+              <a:t>url</a:t>
+            </a:r>
+            <a:r>
+              <a:rPr lang="en-US" dirty="0">
                 <a:latin typeface="Consolas" charset="0"/>
                 <a:ea typeface="Consolas" charset="0"/>
                 <a:cs typeface="Consolas" charset="0"/>
               </a:rPr>
-              <a:t>movies=</a:t>
-            </a:r>
-            <a:r>
-              <a:rPr lang="en-US" sz="1600" dirty="0" err="1">
+              <a:t>="https://</a:t>
+            </a:r>
+            <a:r>
+              <a:rPr lang="en-US" dirty="0" err="1">
                 <a:latin typeface="Consolas" charset="0"/>
                 <a:ea typeface="Consolas" charset="0"/>
                 <a:cs typeface="Consolas" charset="0"/>
               </a:rPr>
-              <a:t>localStorage.getItem</a:t>
-            </a:r>
-            <a:r>
-              <a:rPr lang="en-US" sz="1600" dirty="0">
+              <a:t>moonclouddashboard.blob.core.windows.net</a:t>
+            </a:r>
+            <a:r>
+              <a:rPr lang="en-US" dirty="0">
                 <a:latin typeface="Consolas" charset="0"/>
                 <a:ea typeface="Consolas" charset="0"/>
                 <a:cs typeface="Consolas" charset="0"/>
               </a:rPr>
-              <a:t>("movies</a:t>
-            </a:r>
-            <a:r>
-              <a:rPr lang="en-US" sz="1600" dirty="0" smtClean="0">
+              <a:t>/</a:t>
+            </a:r>
+            <a:r>
+              <a:rPr lang="en-US" dirty="0" err="1">
                 <a:latin typeface="Consolas" charset="0"/>
                 <a:ea typeface="Consolas" charset="0"/>
                 <a:cs typeface="Consolas" charset="0"/>
               </a:rPr>
-              <a:t>");</a:t>
-            </a:r>
-          </a:p>
-          <a:p>
-            <a:r>
-              <a:rPr lang="en-US" sz="1600" dirty="0">
+              <a:t>pdfcontainer</a:t>
+            </a:r>
+            <a:r>
+              <a:rPr lang="en-US" dirty="0">
                 <a:latin typeface="Consolas" charset="0"/>
                 <a:ea typeface="Consolas" charset="0"/>
                 <a:cs typeface="Consolas" charset="0"/>
               </a:rPr>
-              <a:t> </a:t>
-            </a:r>
-            <a:r>
-              <a:rPr lang="en-US" sz="1600" dirty="0" smtClean="0">
+              <a:t>/</a:t>
+            </a:r>
+            <a:r>
+              <a:rPr lang="en-US" dirty="0" err="1">
                 <a:latin typeface="Consolas" charset="0"/>
                 <a:ea typeface="Consolas" charset="0"/>
                 <a:cs typeface="Consolas" charset="0"/>
               </a:rPr>
-              <a:t> if </a:t>
-            </a:r>
-            <a:r>
-              <a:rPr lang="en-US" sz="1600" dirty="0">
+              <a:t>moviearray.json</a:t>
+            </a:r>
+            <a:r>
+              <a:rPr lang="en-US" dirty="0">
                 <a:latin typeface="Consolas" charset="0"/>
                 <a:ea typeface="Consolas" charset="0"/>
                 <a:cs typeface="Consolas" charset="0"/>
               </a:rPr>
-              <a:t>(movies==null</a:t>
-            </a:r>
-            <a:r>
-              <a:rPr lang="en-US" sz="1600" dirty="0" smtClean="0">
-                <a:latin typeface="Consolas" charset="0"/>
-                <a:ea typeface="Consolas" charset="0"/>
-                <a:cs typeface="Consolas" charset="0"/>
-              </a:rPr>
-              <a:t>){</a:t>
-            </a:r>
-          </a:p>
-          <a:p>
-            <a:r>
-              <a:rPr lang="en-US" sz="1600" dirty="0" smtClean="0">
-                <a:latin typeface="Consolas" charset="0"/>
-                <a:ea typeface="Consolas" charset="0"/>
-                <a:cs typeface="Consolas" charset="0"/>
-              </a:rPr>
-              <a:t>    </a:t>
-            </a:r>
-            <a:r>
-              <a:rPr lang="en-US" sz="1600" dirty="0" err="1" smtClean="0">
-                <a:latin typeface="Consolas" charset="0"/>
-                <a:ea typeface="Consolas" charset="0"/>
-                <a:cs typeface="Consolas" charset="0"/>
-              </a:rPr>
-              <a:t>localStorage.setItem</a:t>
-            </a:r>
-            <a:r>
-              <a:rPr lang="en-US" sz="1600" dirty="0">
-                <a:latin typeface="Consolas" charset="0"/>
-                <a:ea typeface="Consolas" charset="0"/>
-                <a:cs typeface="Consolas" charset="0"/>
-              </a:rPr>
-              <a:t>("movies",</a:t>
-            </a:r>
-            <a:r>
-              <a:rPr lang="en-US" sz="1600" dirty="0" err="1">
-                <a:latin typeface="Consolas" charset="0"/>
-                <a:ea typeface="Consolas" charset="0"/>
-                <a:cs typeface="Consolas" charset="0"/>
-              </a:rPr>
-              <a:t>JSON.stringify</a:t>
-            </a:r>
-            <a:r>
-              <a:rPr lang="en-US" sz="1600" dirty="0">
-                <a:latin typeface="Consolas" charset="0"/>
-                <a:ea typeface="Consolas" charset="0"/>
-                <a:cs typeface="Consolas" charset="0"/>
-              </a:rPr>
-              <a:t>(</a:t>
-            </a:r>
-            <a:r>
-              <a:rPr lang="en-US" sz="1600" dirty="0" err="1">
-                <a:latin typeface="Consolas" charset="0"/>
-                <a:ea typeface="Consolas" charset="0"/>
-                <a:cs typeface="Consolas" charset="0"/>
-              </a:rPr>
-              <a:t>movieFromFile</a:t>
-            </a:r>
-            <a:r>
-              <a:rPr lang="en-US" sz="1600" dirty="0" smtClean="0">
-                <a:latin typeface="Consolas" charset="0"/>
-                <a:ea typeface="Consolas" charset="0"/>
-                <a:cs typeface="Consolas" charset="0"/>
-              </a:rPr>
-              <a:t>));</a:t>
-            </a:r>
-          </a:p>
-          <a:p>
-            <a:r>
-              <a:rPr lang="en-US" sz="1600" dirty="0" smtClean="0">
-                <a:latin typeface="Consolas" charset="0"/>
-                <a:ea typeface="Consolas" charset="0"/>
-                <a:cs typeface="Consolas" charset="0"/>
-              </a:rPr>
-              <a:t>    movies=</a:t>
-            </a:r>
-            <a:r>
-              <a:rPr lang="en-US" sz="1600" dirty="0" err="1" smtClean="0">
-                <a:latin typeface="Consolas" charset="0"/>
-                <a:ea typeface="Consolas" charset="0"/>
-                <a:cs typeface="Consolas" charset="0"/>
-              </a:rPr>
-              <a:t>movieFromFile</a:t>
-            </a:r>
-            <a:r>
-              <a:rPr lang="en-US" sz="1600" dirty="0">
-                <a:latin typeface="Consolas" charset="0"/>
-                <a:ea typeface="Consolas" charset="0"/>
-                <a:cs typeface="Consolas" charset="0"/>
-              </a:rPr>
-              <a:t>;    </a:t>
-            </a:r>
-            <a:endParaRPr lang="en-US" sz="1600" dirty="0" smtClean="0">
+              <a:t>" </a:t>
+            </a:r>
+            <a:endParaRPr lang="en-US" dirty="0" smtClean="0">
               <a:latin typeface="Consolas" charset="0"/>
               <a:ea typeface="Consolas" charset="0"/>
               <a:cs typeface="Consolas" charset="0"/>
@@ -16172,38 +15334,54 @@
           </a:p>
           <a:p>
             <a:r>
-              <a:rPr lang="en-US" sz="1600" dirty="0">
+              <a:rPr lang="en-US" sz="1800" dirty="0" err="1" smtClean="0">
                 <a:latin typeface="Consolas" charset="0"/>
                 <a:ea typeface="Consolas" charset="0"/>
                 <a:cs typeface="Consolas" charset="0"/>
               </a:rPr>
-              <a:t> </a:t>
-            </a:r>
-            <a:r>
-              <a:rPr lang="en-US" sz="1600" dirty="0" smtClean="0">
+              <a:t>var</a:t>
+            </a:r>
+            <a:r>
+              <a:rPr lang="en-US" sz="1800" dirty="0" smtClean="0">
                 <a:latin typeface="Consolas" charset="0"/>
                 <a:ea typeface="Consolas" charset="0"/>
                 <a:cs typeface="Consolas" charset="0"/>
               </a:rPr>
-              <a:t>   </a:t>
-            </a:r>
-            <a:r>
-              <a:rPr lang="en-US" sz="1600" dirty="0" err="1">
+              <a:t> </a:t>
+            </a:r>
+            <a:r>
+              <a:rPr lang="en-US" sz="1800" dirty="0" err="1">
                 <a:latin typeface="Consolas" charset="0"/>
                 <a:ea typeface="Consolas" charset="0"/>
                 <a:cs typeface="Consolas" charset="0"/>
               </a:rPr>
-              <a:t>console.log</a:t>
-            </a:r>
-            <a:r>
-              <a:rPr lang="en-US" sz="1600" dirty="0">
+              <a:t>xhr</a:t>
+            </a:r>
+            <a:r>
+              <a:rPr lang="en-US" sz="1800" dirty="0">
                 <a:latin typeface="Consolas" charset="0"/>
                 <a:ea typeface="Consolas" charset="0"/>
                 <a:cs typeface="Consolas" charset="0"/>
               </a:rPr>
-              <a:t>("LOADED FROM FILE");  </a:t>
-            </a:r>
-            <a:endParaRPr lang="en-US" sz="1600" dirty="0" smtClean="0">
+              <a:t> = new </a:t>
+            </a:r>
+            <a:r>
+              <a:rPr lang="en-US" sz="1800" dirty="0" err="1">
+                <a:latin typeface="Consolas" charset="0"/>
+                <a:ea typeface="Consolas" charset="0"/>
+                <a:cs typeface="Consolas" charset="0"/>
+              </a:rPr>
+              <a:t>XMLHttpRequest</a:t>
+            </a:r>
+            <a:r>
+              <a:rPr lang="en-US" sz="1800" dirty="0">
+                <a:latin typeface="Consolas" charset="0"/>
+                <a:ea typeface="Consolas" charset="0"/>
+                <a:cs typeface="Consolas" charset="0"/>
+              </a:rPr>
+              <a:t>();      </a:t>
+            </a:r>
+            <a:endParaRPr lang="en-US" sz="1800" dirty="0" smtClean="0">
               <a:latin typeface="Consolas" charset="0"/>
               <a:ea typeface="Consolas" charset="0"/>
               <a:cs typeface="Consolas" charset="0"/>
@@ -16211,98 +15389,38 @@
           </a:p>
           <a:p>
             <a:r>
-              <a:rPr lang="en-US" sz="1600" dirty="0" smtClean="0">
+              <a:rPr lang="en-US" sz="1800" dirty="0" err="1" smtClean="0">
                 <a:latin typeface="Consolas" charset="0"/>
                 <a:ea typeface="Consolas" charset="0"/>
                 <a:cs typeface="Consolas" charset="0"/>
               </a:rPr>
-              <a:t>  }</a:t>
-            </a:r>
-            <a:r>
-              <a:rPr lang="en-US" sz="1600" dirty="0">
+              <a:t>xhr.open</a:t>
+            </a:r>
+            <a:r>
+              <a:rPr lang="en-US" sz="1800" dirty="0">
                 <a:latin typeface="Consolas" charset="0"/>
                 <a:ea typeface="Consolas" charset="0"/>
                 <a:cs typeface="Consolas" charset="0"/>
               </a:rPr>
-              <a:t>else</a:t>
-            </a:r>
-            <a:r>
-              <a:rPr lang="en-US" sz="1600" dirty="0" smtClean="0">
+              <a:t>('GET', </a:t>
+            </a:r>
+            <a:r>
+              <a:rPr lang="en-US" sz="1800" dirty="0" err="1">
                 <a:latin typeface="Consolas" charset="0"/>
                 <a:ea typeface="Consolas" charset="0"/>
                 <a:cs typeface="Consolas" charset="0"/>
               </a:rPr>
-              <a:t>{</a:t>
-            </a:r>
-          </a:p>
-          <a:p>
-            <a:r>
-              <a:rPr lang="en-US" sz="1600" dirty="0" smtClean="0">
+              <a:t>url</a:t>
+            </a:r>
+            <a:r>
+              <a:rPr lang="en-US" sz="1800" dirty="0">
                 <a:latin typeface="Consolas" charset="0"/>
                 <a:ea typeface="Consolas" charset="0"/>
                 <a:cs typeface="Consolas" charset="0"/>
               </a:rPr>
-              <a:t>    </a:t>
-            </a:r>
-            <a:r>
-              <a:rPr lang="en-US" sz="1600" dirty="0">
-                <a:latin typeface="Consolas" charset="0"/>
-                <a:ea typeface="Consolas" charset="0"/>
-                <a:cs typeface="Consolas" charset="0"/>
-              </a:rPr>
-              <a:t>movies=</a:t>
-            </a:r>
-            <a:r>
-              <a:rPr lang="en-US" sz="1600" dirty="0" err="1">
-                <a:latin typeface="Consolas" charset="0"/>
-                <a:ea typeface="Consolas" charset="0"/>
-                <a:cs typeface="Consolas" charset="0"/>
-              </a:rPr>
-              <a:t>JSON.parse</a:t>
-            </a:r>
-            <a:r>
-              <a:rPr lang="en-US" sz="1600" dirty="0">
-                <a:latin typeface="Consolas" charset="0"/>
-                <a:ea typeface="Consolas" charset="0"/>
-                <a:cs typeface="Consolas" charset="0"/>
-              </a:rPr>
-              <a:t>(movies</a:t>
-            </a:r>
-            <a:r>
-              <a:rPr lang="en-US" sz="1600" dirty="0" smtClean="0">
-                <a:latin typeface="Consolas" charset="0"/>
-                <a:ea typeface="Consolas" charset="0"/>
-                <a:cs typeface="Consolas" charset="0"/>
-              </a:rPr>
-              <a:t>);</a:t>
-            </a:r>
-          </a:p>
-          <a:p>
-            <a:r>
-              <a:rPr lang="en-US" sz="1600" dirty="0" smtClean="0">
-                <a:latin typeface="Consolas" charset="0"/>
-                <a:ea typeface="Consolas" charset="0"/>
-                <a:cs typeface="Consolas" charset="0"/>
-              </a:rPr>
-              <a:t>    </a:t>
-            </a:r>
-            <a:r>
-              <a:rPr lang="en-US" sz="1600" dirty="0" err="1">
-                <a:latin typeface="Consolas" charset="0"/>
-                <a:ea typeface="Consolas" charset="0"/>
-                <a:cs typeface="Consolas" charset="0"/>
-              </a:rPr>
-              <a:t>console.log</a:t>
-            </a:r>
-            <a:r>
-              <a:rPr lang="en-US" sz="1600" dirty="0">
-                <a:latin typeface="Consolas" charset="0"/>
-                <a:ea typeface="Consolas" charset="0"/>
-                <a:cs typeface="Consolas" charset="0"/>
-              </a:rPr>
-              <a:t>("LOADED FROM LOCAL STORAGE")   </a:t>
-            </a:r>
-            <a:endParaRPr lang="en-US" sz="1600" dirty="0" smtClean="0">
+              <a:t>, true);    </a:t>
+            </a:r>
+            <a:endParaRPr lang="en-US" sz="1800" dirty="0" smtClean="0">
               <a:latin typeface="Consolas" charset="0"/>
               <a:ea typeface="Consolas" charset="0"/>
               <a:cs typeface="Consolas" charset="0"/>
@@ -16310,300 +15428,218 @@
           </a:p>
           <a:p>
             <a:r>
-              <a:rPr lang="en-US" sz="1600" dirty="0">
+              <a:rPr lang="en-US" sz="1800" dirty="0" err="1" smtClean="0">
                 <a:latin typeface="Consolas" charset="0"/>
                 <a:ea typeface="Consolas" charset="0"/>
                 <a:cs typeface="Consolas" charset="0"/>
               </a:rPr>
-              <a:t> </a:t>
-            </a:r>
-            <a:r>
-              <a:rPr lang="en-US" sz="1600" dirty="0" smtClean="0">
+              <a:t>xhr.setRequestHeader</a:t>
+            </a:r>
+            <a:r>
+              <a:rPr lang="en-US" sz="1800" dirty="0">
                 <a:latin typeface="Consolas" charset="0"/>
                 <a:ea typeface="Consolas" charset="0"/>
                 <a:cs typeface="Consolas" charset="0"/>
               </a:rPr>
-              <a:t>}</a:t>
-            </a:r>
-            <a:endParaRPr lang="en-US" sz="1600" dirty="0">
+              <a:t>('Accept', 'application/</a:t>
+            </a:r>
+            <a:r>
+              <a:rPr lang="en-US" sz="1800" dirty="0" err="1">
+                <a:latin typeface="Consolas" charset="0"/>
+                <a:ea typeface="Consolas" charset="0"/>
+                <a:cs typeface="Consolas" charset="0"/>
+              </a:rPr>
+              <a:t>json</a:t>
+            </a:r>
+            <a:r>
+              <a:rPr lang="en-US" sz="1800" dirty="0">
+                <a:latin typeface="Consolas" charset="0"/>
+                <a:ea typeface="Consolas" charset="0"/>
+                <a:cs typeface="Consolas" charset="0"/>
+              </a:rPr>
+              <a:t>');       </a:t>
+            </a:r>
+            <a:r>
+              <a:rPr lang="en-US" sz="1800" dirty="0" err="1">
+                <a:latin typeface="Consolas" charset="0"/>
+                <a:ea typeface="Consolas" charset="0"/>
+                <a:cs typeface="Consolas" charset="0"/>
+              </a:rPr>
+              <a:t>xhr.onreadystatechange</a:t>
+            </a:r>
+            <a:r>
+              <a:rPr lang="en-US" sz="1800" dirty="0">
+                <a:latin typeface="Consolas" charset="0"/>
+                <a:ea typeface="Consolas" charset="0"/>
+                <a:cs typeface="Consolas" charset="0"/>
+              </a:rPr>
+              <a:t> = function () </a:t>
+            </a:r>
+            <a:r>
+              <a:rPr lang="en-US" sz="1800" dirty="0" smtClean="0">
+                <a:latin typeface="Consolas" charset="0"/>
+                <a:ea typeface="Consolas" charset="0"/>
+                <a:cs typeface="Consolas" charset="0"/>
+              </a:rPr>
+              <a:t>{</a:t>
+            </a:r>
+          </a:p>
+          <a:p>
+            <a:r>
+              <a:rPr lang="en-US" sz="1800" dirty="0" smtClean="0">
+                <a:latin typeface="Consolas" charset="0"/>
+                <a:ea typeface="Consolas" charset="0"/>
+                <a:cs typeface="Consolas" charset="0"/>
+              </a:rPr>
+              <a:t>    if(</a:t>
+            </a:r>
+            <a:r>
+              <a:rPr lang="en-US" sz="1800" dirty="0" err="1" smtClean="0">
+                <a:latin typeface="Consolas" charset="0"/>
+                <a:ea typeface="Consolas" charset="0"/>
+                <a:cs typeface="Consolas" charset="0"/>
+              </a:rPr>
+              <a:t>xhr.readyState</a:t>
+            </a:r>
+            <a:r>
+              <a:rPr lang="en-US" sz="1800" dirty="0" smtClean="0">
+                <a:latin typeface="Consolas" charset="0"/>
+                <a:ea typeface="Consolas" charset="0"/>
+                <a:cs typeface="Consolas" charset="0"/>
+              </a:rPr>
+              <a:t> </a:t>
+            </a:r>
+            <a:r>
+              <a:rPr lang="en-US" sz="1800" dirty="0">
+                <a:latin typeface="Consolas" charset="0"/>
+                <a:ea typeface="Consolas" charset="0"/>
+                <a:cs typeface="Consolas" charset="0"/>
+              </a:rPr>
+              <a:t>=== </a:t>
+            </a:r>
+            <a:r>
+              <a:rPr lang="en-US" sz="1800" dirty="0" err="1">
+                <a:latin typeface="Consolas" charset="0"/>
+                <a:ea typeface="Consolas" charset="0"/>
+                <a:cs typeface="Consolas" charset="0"/>
+              </a:rPr>
+              <a:t>XMLHttpRequest.DONE</a:t>
+            </a:r>
+            <a:r>
+              <a:rPr lang="en-US" sz="1800" dirty="0">
+                <a:latin typeface="Consolas" charset="0"/>
+                <a:ea typeface="Consolas" charset="0"/>
+                <a:cs typeface="Consolas" charset="0"/>
+              </a:rPr>
+              <a:t> &amp;&amp; </a:t>
+            </a:r>
+            <a:r>
+              <a:rPr lang="en-US" sz="1800" dirty="0" err="1">
+                <a:latin typeface="Consolas" charset="0"/>
+                <a:ea typeface="Consolas" charset="0"/>
+                <a:cs typeface="Consolas" charset="0"/>
+              </a:rPr>
+              <a:t>xhr.status</a:t>
+            </a:r>
+            <a:r>
+              <a:rPr lang="en-US" sz="1800" dirty="0">
+                <a:latin typeface="Consolas" charset="0"/>
+                <a:ea typeface="Consolas" charset="0"/>
+                <a:cs typeface="Consolas" charset="0"/>
+              </a:rPr>
+              <a:t> === 200) {        </a:t>
+            </a:r>
+            <a:r>
+              <a:rPr lang="en-US" sz="1800" dirty="0" smtClean="0">
+                <a:latin typeface="Consolas" charset="0"/>
+                <a:ea typeface="Consolas" charset="0"/>
+                <a:cs typeface="Consolas" charset="0"/>
+              </a:rPr>
+              <a:t>	</a:t>
+            </a:r>
+            <a:r>
+              <a:rPr lang="en-US" sz="1800" dirty="0" err="1" smtClean="0">
+                <a:latin typeface="Consolas" charset="0"/>
+                <a:ea typeface="Consolas" charset="0"/>
+                <a:cs typeface="Consolas" charset="0"/>
+              </a:rPr>
+              <a:t>console.log</a:t>
+            </a:r>
+            <a:r>
+              <a:rPr lang="en-US" sz="1800" dirty="0" smtClean="0">
+                <a:latin typeface="Consolas" charset="0"/>
+                <a:ea typeface="Consolas" charset="0"/>
+                <a:cs typeface="Consolas" charset="0"/>
+              </a:rPr>
+              <a:t>(</a:t>
+            </a:r>
+            <a:r>
+              <a:rPr lang="en-US" sz="1800" dirty="0" err="1" smtClean="0">
+                <a:latin typeface="Consolas" charset="0"/>
+                <a:ea typeface="Consolas" charset="0"/>
+                <a:cs typeface="Consolas" charset="0"/>
+              </a:rPr>
+              <a:t>xhr.responseText</a:t>
+            </a:r>
+            <a:r>
+              <a:rPr lang="en-US" sz="1800" dirty="0">
+                <a:latin typeface="Consolas" charset="0"/>
+                <a:ea typeface="Consolas" charset="0"/>
+                <a:cs typeface="Consolas" charset="0"/>
+              </a:rPr>
+              <a:t>);      </a:t>
+            </a:r>
+            <a:endParaRPr lang="en-US" sz="1800" dirty="0" smtClean="0">
               <a:latin typeface="Consolas" charset="0"/>
               <a:ea typeface="Consolas" charset="0"/>
               <a:cs typeface="Consolas" charset="0"/>
             </a:endParaRPr>
           </a:p>
-        </p:txBody>
-      </p:sp>
-      <p:sp>
-        <p:nvSpPr>
-          <p:cNvPr id="4" name="TextBox 3"/>
-          <p:cNvSpPr txBox="1"/>
-          <p:nvPr/>
-        </p:nvSpPr>
-        <p:spPr>
-          <a:xfrm>
-            <a:off x="468817" y="1264807"/>
-            <a:ext cx="7926036" cy="646331"/>
-          </a:xfrm>
-          <a:prstGeom prst="rect">
-            <a:avLst/>
-          </a:prstGeom>
-          <a:noFill/>
-        </p:spPr>
-        <p:txBody>
-          <a:bodyPr wrap="square" rtlCol="0">
-            <a:spAutoFit/>
-          </a:bodyPr>
-          <a:lstStyle/>
           <a:p>
             <a:r>
-              <a:rPr lang="en-US" sz="1800" b="1" dirty="0" err="1" smtClean="0"/>
-              <a:t>setItem</a:t>
-            </a:r>
-            <a:r>
-              <a:rPr lang="en-US" sz="1800" dirty="0" smtClean="0"/>
-              <a:t> e </a:t>
-            </a:r>
-            <a:r>
-              <a:rPr lang="en-US" sz="1800" b="1" dirty="0" err="1" smtClean="0"/>
-              <a:t>getItem</a:t>
-            </a:r>
-            <a:r>
-              <a:rPr lang="en-US" sz="1800" dirty="0" smtClean="0"/>
-              <a:t> di </a:t>
-            </a:r>
-            <a:r>
-              <a:rPr lang="en-US" sz="1800" b="1" dirty="0" err="1" smtClean="0"/>
-              <a:t>localStorage</a:t>
-            </a:r>
-            <a:r>
-              <a:rPr lang="en-US" sz="1800" dirty="0" smtClean="0"/>
-              <a:t> ci </a:t>
-            </a:r>
-            <a:r>
-              <a:rPr lang="en-US" sz="1800" dirty="0" err="1" smtClean="0"/>
-              <a:t>permettono</a:t>
-            </a:r>
-            <a:r>
-              <a:rPr lang="en-US" sz="1800" dirty="0" smtClean="0"/>
-              <a:t> di </a:t>
-            </a:r>
-            <a:r>
-              <a:rPr lang="en-US" sz="1800" dirty="0" err="1" smtClean="0"/>
-              <a:t>operare</a:t>
-            </a:r>
-            <a:r>
-              <a:rPr lang="en-US" sz="1800" dirty="0" smtClean="0"/>
-              <a:t> con </a:t>
-            </a:r>
-            <a:r>
-              <a:rPr lang="en-US" sz="1800" dirty="0" err="1" smtClean="0"/>
-              <a:t>il</a:t>
-            </a:r>
-            <a:r>
-              <a:rPr lang="en-US" sz="1800" dirty="0" smtClean="0"/>
+              <a:rPr lang="en-US" sz="1800" dirty="0">
+                <a:latin typeface="Consolas" charset="0"/>
+                <a:ea typeface="Consolas" charset="0"/>
+                <a:cs typeface="Consolas" charset="0"/>
+              </a:rPr>
               <a:t> </a:t>
             </a:r>
             <a:r>
-              <a:rPr lang="en-US" sz="1800" dirty="0" err="1" smtClean="0"/>
-              <a:t>localStorage</a:t>
-            </a:r>
-            <a:r>
-              <a:rPr lang="en-US" sz="1800" dirty="0" smtClean="0"/>
-              <a:t>.</a:t>
-            </a:r>
-            <a:endParaRPr lang="en-US" sz="1800" dirty="0"/>
+              <a:rPr lang="en-US" sz="1800" dirty="0" smtClean="0">
+                <a:latin typeface="Consolas" charset="0"/>
+                <a:ea typeface="Consolas" charset="0"/>
+                <a:cs typeface="Consolas" charset="0"/>
+              </a:rPr>
+              <a:t>   }    </a:t>
+            </a:r>
           </a:p>
-        </p:txBody>
-      </p:sp>
-      <p:sp>
-        <p:nvSpPr>
-          <p:cNvPr id="5" name="TextBox 4"/>
-          <p:cNvSpPr txBox="1"/>
-          <p:nvPr/>
-        </p:nvSpPr>
-        <p:spPr>
-          <a:xfrm>
-            <a:off x="561975" y="4847422"/>
-            <a:ext cx="8086381" cy="707886"/>
-          </a:xfrm>
-          <a:prstGeom prst="rect">
-            <a:avLst/>
-          </a:prstGeom>
-          <a:noFill/>
-        </p:spPr>
-        <p:txBody>
-          <a:bodyPr wrap="square" rtlCol="0">
-            <a:spAutoFit/>
-          </a:bodyPr>
-          <a:lstStyle/>
           <a:p>
             <a:r>
-              <a:rPr lang="en-US" sz="2000" b="1" dirty="0" smtClean="0">
-                <a:solidFill>
-                  <a:srgbClr val="FF0000"/>
-                </a:solidFill>
-              </a:rPr>
-              <a:t>EX. </a:t>
-            </a:r>
-            <a:r>
-              <a:rPr lang="en-US" sz="2000" b="1" dirty="0" err="1" smtClean="0">
-                <a:solidFill>
-                  <a:srgbClr val="FF0000"/>
-                </a:solidFill>
-              </a:rPr>
-              <a:t>Lavorando</a:t>
-            </a:r>
-            <a:r>
-              <a:rPr lang="en-US" sz="2000" b="1" dirty="0" smtClean="0">
-                <a:solidFill>
-                  <a:srgbClr val="FF0000"/>
-                </a:solidFill>
-              </a:rPr>
-              <a:t> </a:t>
-            </a:r>
-            <a:r>
-              <a:rPr lang="en-US" sz="2000" b="1" dirty="0" err="1" smtClean="0">
-                <a:solidFill>
-                  <a:srgbClr val="FF0000"/>
-                </a:solidFill>
-              </a:rPr>
-              <a:t>sempre</a:t>
-            </a:r>
-            <a:r>
-              <a:rPr lang="en-US" sz="2000" b="1" dirty="0" smtClean="0">
-                <a:solidFill>
-                  <a:srgbClr val="FF0000"/>
-                </a:solidFill>
-              </a:rPr>
-              <a:t> </a:t>
-            </a:r>
-            <a:r>
-              <a:rPr lang="en-US" sz="2000" b="1" dirty="0" err="1" smtClean="0">
-                <a:solidFill>
-                  <a:srgbClr val="FF0000"/>
-                </a:solidFill>
-              </a:rPr>
-              <a:t>nella</a:t>
-            </a:r>
-            <a:r>
-              <a:rPr lang="en-US" sz="2000" b="1" dirty="0" smtClean="0">
-                <a:solidFill>
-                  <a:srgbClr val="FF0000"/>
-                </a:solidFill>
-              </a:rPr>
-              <a:t> console </a:t>
-            </a:r>
-            <a:r>
-              <a:rPr lang="en-US" sz="2000" b="1" dirty="0" err="1" smtClean="0">
-                <a:solidFill>
-                  <a:srgbClr val="FF0000"/>
-                </a:solidFill>
-              </a:rPr>
-              <a:t>vediamo</a:t>
-            </a:r>
-            <a:r>
-              <a:rPr lang="en-US" sz="2000" b="1" dirty="0" smtClean="0">
-                <a:solidFill>
-                  <a:srgbClr val="FF0000"/>
-                </a:solidFill>
-              </a:rPr>
-              <a:t> come </a:t>
-            </a:r>
-            <a:r>
-              <a:rPr lang="en-US" sz="2000" b="1" dirty="0" err="1" smtClean="0">
-                <a:solidFill>
-                  <a:srgbClr val="FF0000"/>
-                </a:solidFill>
-              </a:rPr>
-              <a:t>si</a:t>
-            </a:r>
-            <a:r>
-              <a:rPr lang="en-US" sz="2000" b="1" dirty="0" smtClean="0">
-                <a:solidFill>
-                  <a:srgbClr val="FF0000"/>
-                </a:solidFill>
-              </a:rPr>
-              <a:t> </a:t>
-            </a:r>
-            <a:r>
-              <a:rPr lang="en-US" sz="2000" b="1" dirty="0" err="1" smtClean="0">
-                <a:solidFill>
-                  <a:srgbClr val="FF0000"/>
-                </a:solidFill>
-              </a:rPr>
-              <a:t>modifica</a:t>
-            </a:r>
-            <a:r>
-              <a:rPr lang="en-US" sz="2000" b="1" dirty="0" smtClean="0">
-                <a:solidFill>
-                  <a:srgbClr val="FF0000"/>
-                </a:solidFill>
-              </a:rPr>
-              <a:t> </a:t>
-            </a:r>
-            <a:r>
-              <a:rPr lang="en-US" sz="2000" b="1" dirty="0" err="1" smtClean="0">
-                <a:solidFill>
-                  <a:srgbClr val="FF0000"/>
-                </a:solidFill>
-              </a:rPr>
-              <a:t>il</a:t>
-            </a:r>
-            <a:r>
-              <a:rPr lang="en-US" sz="2000" b="1" dirty="0" smtClean="0">
-                <a:solidFill>
-                  <a:srgbClr val="FF0000"/>
-                </a:solidFill>
-              </a:rPr>
-              <a:t> </a:t>
-            </a:r>
-            <a:r>
-              <a:rPr lang="en-US" sz="2000" b="1" dirty="0" err="1" smtClean="0">
-                <a:solidFill>
-                  <a:srgbClr val="FF0000"/>
-                </a:solidFill>
-              </a:rPr>
-              <a:t>localStorage</a:t>
-            </a:r>
-            <a:endParaRPr lang="en-US" sz="2000" b="1" dirty="0">
-              <a:solidFill>
-                <a:srgbClr val="FF0000"/>
-              </a:solidFill>
-            </a:endParaRPr>
+              <a:rPr lang="en-US" sz="1800" dirty="0" smtClean="0">
+                <a:latin typeface="Consolas" charset="0"/>
+                <a:ea typeface="Consolas" charset="0"/>
+                <a:cs typeface="Consolas" charset="0"/>
+              </a:rPr>
+              <a:t>};</a:t>
+            </a:r>
           </a:p>
-        </p:txBody>
-      </p:sp>
-      <p:sp>
-        <p:nvSpPr>
-          <p:cNvPr id="2" name="TextBox 1"/>
-          <p:cNvSpPr txBox="1"/>
-          <p:nvPr/>
-        </p:nvSpPr>
-        <p:spPr>
-          <a:xfrm>
-            <a:off x="561975" y="5813381"/>
-            <a:ext cx="2488182" cy="307777"/>
-          </a:xfrm>
-          <a:prstGeom prst="rect">
-            <a:avLst/>
-          </a:prstGeom>
-          <a:noFill/>
-        </p:spPr>
-        <p:txBody>
-          <a:bodyPr wrap="none" rtlCol="0">
-            <a:spAutoFit/>
-          </a:bodyPr>
-          <a:lstStyle/>
           <a:p>
             <a:r>
-              <a:rPr lang="en-US" dirty="0" err="1" smtClean="0"/>
-              <a:t>DeveloperTool</a:t>
-            </a:r>
-            <a:r>
-              <a:rPr lang="en-US" dirty="0" smtClean="0"/>
-              <a:t> -&gt; Application</a:t>
-            </a:r>
-            <a:endParaRPr lang="en-US" dirty="0"/>
+              <a:rPr lang="en-US" sz="1800" dirty="0" err="1" smtClean="0">
+                <a:latin typeface="Consolas" charset="0"/>
+                <a:ea typeface="Consolas" charset="0"/>
+                <a:cs typeface="Consolas" charset="0"/>
+              </a:rPr>
+              <a:t>xhr.send</a:t>
+            </a:r>
+            <a:r>
+              <a:rPr lang="en-US" sz="1800" dirty="0">
+                <a:latin typeface="Consolas" charset="0"/>
+                <a:ea typeface="Consolas" charset="0"/>
+                <a:cs typeface="Consolas" charset="0"/>
+              </a:rPr>
+              <a:t>()</a:t>
+            </a:r>
           </a:p>
         </p:txBody>
       </p:sp>
@@ -16766,6 +15802,838 @@
               <a:buNone/>
             </a:pPr>
             <a:r>
+              <a:rPr lang="it-IT" sz="2800" b="1" smtClean="0">
+                <a:solidFill>
+                  <a:srgbClr val="172171"/>
+                </a:solidFill>
+                <a:latin typeface="Trebuchet MS"/>
+                <a:ea typeface="Trebuchet MS"/>
+                <a:cs typeface="Trebuchet MS"/>
+                <a:sym typeface="Trebuchet MS"/>
+              </a:rPr>
+              <a:t>Accesso Storage tramite </a:t>
+            </a:r>
+            <a:r>
+              <a:rPr lang="it-IT" sz="2800" b="1" dirty="0" err="1" smtClean="0">
+                <a:solidFill>
+                  <a:srgbClr val="172171"/>
+                </a:solidFill>
+                <a:latin typeface="Trebuchet MS"/>
+                <a:ea typeface="Trebuchet MS"/>
+                <a:cs typeface="Trebuchet MS"/>
+                <a:sym typeface="Trebuchet MS"/>
+              </a:rPr>
+              <a:t>Javascript</a:t>
+            </a:r>
+            <a:endParaRPr sz="2800" b="1" i="0" u="none" strike="noStrike" cap="none" dirty="0">
+              <a:solidFill>
+                <a:srgbClr val="D74720"/>
+              </a:solidFill>
+              <a:latin typeface="Arial"/>
+              <a:ea typeface="Arial"/>
+              <a:cs typeface="Arial"/>
+              <a:sym typeface="Arial"/>
+            </a:endParaRPr>
+          </a:p>
+        </p:txBody>
+      </p:sp>
+      <p:sp>
+        <p:nvSpPr>
+          <p:cNvPr id="3" name="Rectangle 2"/>
+          <p:cNvSpPr/>
+          <p:nvPr/>
+        </p:nvSpPr>
+        <p:spPr>
+          <a:xfrm>
+            <a:off x="561975" y="2281025"/>
+            <a:ext cx="7700676" cy="2308324"/>
+          </a:xfrm>
+          <a:prstGeom prst="rect">
+            <a:avLst/>
+          </a:prstGeom>
+        </p:spPr>
+        <p:txBody>
+          <a:bodyPr wrap="square">
+            <a:spAutoFit/>
+          </a:bodyPr>
+          <a:lstStyle/>
+          <a:p>
+            <a:r>
+              <a:rPr lang="en-US" sz="1600" dirty="0" smtClean="0">
+                <a:latin typeface="Consolas" charset="0"/>
+                <a:ea typeface="Consolas" charset="0"/>
+                <a:cs typeface="Consolas" charset="0"/>
+              </a:rPr>
+              <a:t>  </a:t>
+            </a:r>
+            <a:r>
+              <a:rPr lang="en-US" sz="1600" dirty="0" err="1" smtClean="0">
+                <a:latin typeface="Consolas" charset="0"/>
+                <a:ea typeface="Consolas" charset="0"/>
+                <a:cs typeface="Consolas" charset="0"/>
+              </a:rPr>
+              <a:t>var</a:t>
+            </a:r>
+            <a:r>
+              <a:rPr lang="en-US" sz="1600" dirty="0" smtClean="0">
+                <a:latin typeface="Consolas" charset="0"/>
+                <a:ea typeface="Consolas" charset="0"/>
+                <a:cs typeface="Consolas" charset="0"/>
+              </a:rPr>
+              <a:t> </a:t>
+            </a:r>
+            <a:r>
+              <a:rPr lang="en-US" sz="1600" dirty="0">
+                <a:latin typeface="Consolas" charset="0"/>
+                <a:ea typeface="Consolas" charset="0"/>
+                <a:cs typeface="Consolas" charset="0"/>
+              </a:rPr>
+              <a:t>movies=</a:t>
+            </a:r>
+            <a:r>
+              <a:rPr lang="en-US" sz="1600" dirty="0" err="1">
+                <a:latin typeface="Consolas" charset="0"/>
+                <a:ea typeface="Consolas" charset="0"/>
+                <a:cs typeface="Consolas" charset="0"/>
+              </a:rPr>
+              <a:t>localStorage.getItem</a:t>
+            </a:r>
+            <a:r>
+              <a:rPr lang="en-US" sz="1600" dirty="0">
+                <a:latin typeface="Consolas" charset="0"/>
+                <a:ea typeface="Consolas" charset="0"/>
+                <a:cs typeface="Consolas" charset="0"/>
+              </a:rPr>
+              <a:t>("movies</a:t>
+            </a:r>
+            <a:r>
+              <a:rPr lang="en-US" sz="1600" dirty="0" smtClean="0">
+                <a:latin typeface="Consolas" charset="0"/>
+                <a:ea typeface="Consolas" charset="0"/>
+                <a:cs typeface="Consolas" charset="0"/>
+              </a:rPr>
+              <a:t>");</a:t>
+            </a:r>
+          </a:p>
+          <a:p>
+            <a:r>
+              <a:rPr lang="en-US" sz="1600" dirty="0">
+                <a:latin typeface="Consolas" charset="0"/>
+                <a:ea typeface="Consolas" charset="0"/>
+                <a:cs typeface="Consolas" charset="0"/>
+              </a:rPr>
+              <a:t> </a:t>
+            </a:r>
+            <a:r>
+              <a:rPr lang="en-US" sz="1600" dirty="0" smtClean="0">
+                <a:latin typeface="Consolas" charset="0"/>
+                <a:ea typeface="Consolas" charset="0"/>
+                <a:cs typeface="Consolas" charset="0"/>
+              </a:rPr>
+              <a:t> if </a:t>
+            </a:r>
+            <a:r>
+              <a:rPr lang="en-US" sz="1600" dirty="0">
+                <a:latin typeface="Consolas" charset="0"/>
+                <a:ea typeface="Consolas" charset="0"/>
+                <a:cs typeface="Consolas" charset="0"/>
+              </a:rPr>
+              <a:t>(movies==null</a:t>
+            </a:r>
+            <a:r>
+              <a:rPr lang="en-US" sz="1600" dirty="0" smtClean="0">
+                <a:latin typeface="Consolas" charset="0"/>
+                <a:ea typeface="Consolas" charset="0"/>
+                <a:cs typeface="Consolas" charset="0"/>
+              </a:rPr>
+              <a:t>){</a:t>
+            </a:r>
+          </a:p>
+          <a:p>
+            <a:r>
+              <a:rPr lang="en-US" sz="1600" dirty="0" smtClean="0">
+                <a:latin typeface="Consolas" charset="0"/>
+                <a:ea typeface="Consolas" charset="0"/>
+                <a:cs typeface="Consolas" charset="0"/>
+              </a:rPr>
+              <a:t>    </a:t>
+            </a:r>
+            <a:r>
+              <a:rPr lang="en-US" sz="1600" dirty="0" err="1" smtClean="0">
+                <a:latin typeface="Consolas" charset="0"/>
+                <a:ea typeface="Consolas" charset="0"/>
+                <a:cs typeface="Consolas" charset="0"/>
+              </a:rPr>
+              <a:t>localStorage.setItem</a:t>
+            </a:r>
+            <a:r>
+              <a:rPr lang="en-US" sz="1600" dirty="0">
+                <a:latin typeface="Consolas" charset="0"/>
+                <a:ea typeface="Consolas" charset="0"/>
+                <a:cs typeface="Consolas" charset="0"/>
+              </a:rPr>
+              <a:t>("movies",</a:t>
+            </a:r>
+            <a:r>
+              <a:rPr lang="en-US" sz="1600" dirty="0" err="1">
+                <a:latin typeface="Consolas" charset="0"/>
+                <a:ea typeface="Consolas" charset="0"/>
+                <a:cs typeface="Consolas" charset="0"/>
+              </a:rPr>
+              <a:t>JSON.stringify</a:t>
+            </a:r>
+            <a:r>
+              <a:rPr lang="en-US" sz="1600" dirty="0">
+                <a:latin typeface="Consolas" charset="0"/>
+                <a:ea typeface="Consolas" charset="0"/>
+                <a:cs typeface="Consolas" charset="0"/>
+              </a:rPr>
+              <a:t>(</a:t>
+            </a:r>
+            <a:r>
+              <a:rPr lang="en-US" sz="1600" dirty="0" err="1">
+                <a:latin typeface="Consolas" charset="0"/>
+                <a:ea typeface="Consolas" charset="0"/>
+                <a:cs typeface="Consolas" charset="0"/>
+              </a:rPr>
+              <a:t>movieFromFile</a:t>
+            </a:r>
+            <a:r>
+              <a:rPr lang="en-US" sz="1600" dirty="0" smtClean="0">
+                <a:latin typeface="Consolas" charset="0"/>
+                <a:ea typeface="Consolas" charset="0"/>
+                <a:cs typeface="Consolas" charset="0"/>
+              </a:rPr>
+              <a:t>));</a:t>
+            </a:r>
+          </a:p>
+          <a:p>
+            <a:r>
+              <a:rPr lang="en-US" sz="1600" dirty="0" smtClean="0">
+                <a:latin typeface="Consolas" charset="0"/>
+                <a:ea typeface="Consolas" charset="0"/>
+                <a:cs typeface="Consolas" charset="0"/>
+              </a:rPr>
+              <a:t>    movies=</a:t>
+            </a:r>
+            <a:r>
+              <a:rPr lang="en-US" sz="1600" dirty="0" err="1" smtClean="0">
+                <a:latin typeface="Consolas" charset="0"/>
+                <a:ea typeface="Consolas" charset="0"/>
+                <a:cs typeface="Consolas" charset="0"/>
+              </a:rPr>
+              <a:t>movieFromFile</a:t>
+            </a:r>
+            <a:r>
+              <a:rPr lang="en-US" sz="1600" dirty="0">
+                <a:latin typeface="Consolas" charset="0"/>
+                <a:ea typeface="Consolas" charset="0"/>
+                <a:cs typeface="Consolas" charset="0"/>
+              </a:rPr>
+              <a:t>;    </a:t>
+            </a:r>
+            <a:endParaRPr lang="en-US" sz="1600" dirty="0" smtClean="0">
+              <a:latin typeface="Consolas" charset="0"/>
+              <a:ea typeface="Consolas" charset="0"/>
+              <a:cs typeface="Consolas" charset="0"/>
+            </a:endParaRPr>
+          </a:p>
+          <a:p>
+            <a:r>
+              <a:rPr lang="en-US" sz="1600" dirty="0">
+                <a:latin typeface="Consolas" charset="0"/>
+                <a:ea typeface="Consolas" charset="0"/>
+                <a:cs typeface="Consolas" charset="0"/>
+              </a:rPr>
+              <a:t> </a:t>
+            </a:r>
+            <a:r>
+              <a:rPr lang="en-US" sz="1600" dirty="0" smtClean="0">
+                <a:latin typeface="Consolas" charset="0"/>
+                <a:ea typeface="Consolas" charset="0"/>
+                <a:cs typeface="Consolas" charset="0"/>
+              </a:rPr>
+              <a:t>   </a:t>
+            </a:r>
+            <a:r>
+              <a:rPr lang="en-US" sz="1600" dirty="0" err="1">
+                <a:latin typeface="Consolas" charset="0"/>
+                <a:ea typeface="Consolas" charset="0"/>
+                <a:cs typeface="Consolas" charset="0"/>
+              </a:rPr>
+              <a:t>console.log</a:t>
+            </a:r>
+            <a:r>
+              <a:rPr lang="en-US" sz="1600" dirty="0">
+                <a:latin typeface="Consolas" charset="0"/>
+                <a:ea typeface="Consolas" charset="0"/>
+                <a:cs typeface="Consolas" charset="0"/>
+              </a:rPr>
+              <a:t>("LOADED FROM FILE");  </a:t>
+            </a:r>
+            <a:endParaRPr lang="en-US" sz="1600" dirty="0" smtClean="0">
+              <a:latin typeface="Consolas" charset="0"/>
+              <a:ea typeface="Consolas" charset="0"/>
+              <a:cs typeface="Consolas" charset="0"/>
+            </a:endParaRPr>
+          </a:p>
+          <a:p>
+            <a:r>
+              <a:rPr lang="en-US" sz="1600" dirty="0" smtClean="0">
+                <a:latin typeface="Consolas" charset="0"/>
+                <a:ea typeface="Consolas" charset="0"/>
+                <a:cs typeface="Consolas" charset="0"/>
+              </a:rPr>
+              <a:t>  }</a:t>
+            </a:r>
+            <a:r>
+              <a:rPr lang="en-US" sz="1600" dirty="0">
+                <a:latin typeface="Consolas" charset="0"/>
+                <a:ea typeface="Consolas" charset="0"/>
+                <a:cs typeface="Consolas" charset="0"/>
+              </a:rPr>
+              <a:t>else</a:t>
+            </a:r>
+            <a:r>
+              <a:rPr lang="en-US" sz="1600" dirty="0" smtClean="0">
+                <a:latin typeface="Consolas" charset="0"/>
+                <a:ea typeface="Consolas" charset="0"/>
+                <a:cs typeface="Consolas" charset="0"/>
+              </a:rPr>
+              <a:t>{</a:t>
+            </a:r>
+          </a:p>
+          <a:p>
+            <a:r>
+              <a:rPr lang="en-US" sz="1600" dirty="0" smtClean="0">
+                <a:latin typeface="Consolas" charset="0"/>
+                <a:ea typeface="Consolas" charset="0"/>
+                <a:cs typeface="Consolas" charset="0"/>
+              </a:rPr>
+              <a:t>    </a:t>
+            </a:r>
+            <a:r>
+              <a:rPr lang="en-US" sz="1600" dirty="0">
+                <a:latin typeface="Consolas" charset="0"/>
+                <a:ea typeface="Consolas" charset="0"/>
+                <a:cs typeface="Consolas" charset="0"/>
+              </a:rPr>
+              <a:t>movies=</a:t>
+            </a:r>
+            <a:r>
+              <a:rPr lang="en-US" sz="1600" dirty="0" err="1">
+                <a:latin typeface="Consolas" charset="0"/>
+                <a:ea typeface="Consolas" charset="0"/>
+                <a:cs typeface="Consolas" charset="0"/>
+              </a:rPr>
+              <a:t>JSON.parse</a:t>
+            </a:r>
+            <a:r>
+              <a:rPr lang="en-US" sz="1600" dirty="0">
+                <a:latin typeface="Consolas" charset="0"/>
+                <a:ea typeface="Consolas" charset="0"/>
+                <a:cs typeface="Consolas" charset="0"/>
+              </a:rPr>
+              <a:t>(movies</a:t>
+            </a:r>
+            <a:r>
+              <a:rPr lang="en-US" sz="1600" dirty="0" smtClean="0">
+                <a:latin typeface="Consolas" charset="0"/>
+                <a:ea typeface="Consolas" charset="0"/>
+                <a:cs typeface="Consolas" charset="0"/>
+              </a:rPr>
+              <a:t>);</a:t>
+            </a:r>
+          </a:p>
+          <a:p>
+            <a:r>
+              <a:rPr lang="en-US" sz="1600" dirty="0" smtClean="0">
+                <a:latin typeface="Consolas" charset="0"/>
+                <a:ea typeface="Consolas" charset="0"/>
+                <a:cs typeface="Consolas" charset="0"/>
+              </a:rPr>
+              <a:t>    </a:t>
+            </a:r>
+            <a:r>
+              <a:rPr lang="en-US" sz="1600" dirty="0" err="1">
+                <a:latin typeface="Consolas" charset="0"/>
+                <a:ea typeface="Consolas" charset="0"/>
+                <a:cs typeface="Consolas" charset="0"/>
+              </a:rPr>
+              <a:t>console.log</a:t>
+            </a:r>
+            <a:r>
+              <a:rPr lang="en-US" sz="1600" dirty="0">
+                <a:latin typeface="Consolas" charset="0"/>
+                <a:ea typeface="Consolas" charset="0"/>
+                <a:cs typeface="Consolas" charset="0"/>
+              </a:rPr>
+              <a:t>("LOADED FROM LOCAL STORAGE")   </a:t>
+            </a:r>
+            <a:endParaRPr lang="en-US" sz="1600" dirty="0" smtClean="0">
+              <a:latin typeface="Consolas" charset="0"/>
+              <a:ea typeface="Consolas" charset="0"/>
+              <a:cs typeface="Consolas" charset="0"/>
+            </a:endParaRPr>
+          </a:p>
+          <a:p>
+            <a:r>
+              <a:rPr lang="en-US" sz="1600" dirty="0">
+                <a:latin typeface="Consolas" charset="0"/>
+                <a:ea typeface="Consolas" charset="0"/>
+                <a:cs typeface="Consolas" charset="0"/>
+              </a:rPr>
+              <a:t> </a:t>
+            </a:r>
+            <a:r>
+              <a:rPr lang="en-US" sz="1600" dirty="0" smtClean="0">
+                <a:latin typeface="Consolas" charset="0"/>
+                <a:ea typeface="Consolas" charset="0"/>
+                <a:cs typeface="Consolas" charset="0"/>
+              </a:rPr>
+              <a:t>}</a:t>
+            </a:r>
+            <a:endParaRPr lang="en-US" sz="1600" dirty="0">
+              <a:latin typeface="Consolas" charset="0"/>
+              <a:ea typeface="Consolas" charset="0"/>
+              <a:cs typeface="Consolas" charset="0"/>
+            </a:endParaRPr>
+          </a:p>
+        </p:txBody>
+      </p:sp>
+      <p:sp>
+        <p:nvSpPr>
+          <p:cNvPr id="4" name="TextBox 3"/>
+          <p:cNvSpPr txBox="1"/>
+          <p:nvPr/>
+        </p:nvSpPr>
+        <p:spPr>
+          <a:xfrm>
+            <a:off x="468817" y="1264807"/>
+            <a:ext cx="7926036" cy="646331"/>
+          </a:xfrm>
+          <a:prstGeom prst="rect">
+            <a:avLst/>
+          </a:prstGeom>
+          <a:noFill/>
+        </p:spPr>
+        <p:txBody>
+          <a:bodyPr wrap="square" rtlCol="0">
+            <a:spAutoFit/>
+          </a:bodyPr>
+          <a:lstStyle/>
+          <a:p>
+            <a:r>
+              <a:rPr lang="en-US" sz="1800" b="1" dirty="0" err="1" smtClean="0"/>
+              <a:t>setItem</a:t>
+            </a:r>
+            <a:r>
+              <a:rPr lang="en-US" sz="1800" dirty="0" smtClean="0"/>
+              <a:t> e </a:t>
+            </a:r>
+            <a:r>
+              <a:rPr lang="en-US" sz="1800" b="1" dirty="0" err="1" smtClean="0"/>
+              <a:t>getItem</a:t>
+            </a:r>
+            <a:r>
+              <a:rPr lang="en-US" sz="1800" dirty="0" smtClean="0"/>
+              <a:t> di </a:t>
+            </a:r>
+            <a:r>
+              <a:rPr lang="en-US" sz="1800" b="1" dirty="0" err="1" smtClean="0"/>
+              <a:t>localStorage</a:t>
+            </a:r>
+            <a:r>
+              <a:rPr lang="en-US" sz="1800" dirty="0" smtClean="0"/>
+              <a:t> ci </a:t>
+            </a:r>
+            <a:r>
+              <a:rPr lang="en-US" sz="1800" dirty="0" err="1" smtClean="0"/>
+              <a:t>permettono</a:t>
+            </a:r>
+            <a:r>
+              <a:rPr lang="en-US" sz="1800" dirty="0" smtClean="0"/>
+              <a:t> di </a:t>
+            </a:r>
+            <a:r>
+              <a:rPr lang="en-US" sz="1800" dirty="0" err="1" smtClean="0"/>
+              <a:t>operare</a:t>
+            </a:r>
+            <a:r>
+              <a:rPr lang="en-US" sz="1800" dirty="0" smtClean="0"/>
+              <a:t> con </a:t>
+            </a:r>
+            <a:r>
+              <a:rPr lang="en-US" sz="1800" dirty="0" err="1" smtClean="0"/>
+              <a:t>il</a:t>
+            </a:r>
+            <a:r>
+              <a:rPr lang="en-US" sz="1800" dirty="0" smtClean="0"/>
+              <a:t> </a:t>
+            </a:r>
+            <a:r>
+              <a:rPr lang="en-US" sz="1800" dirty="0" err="1" smtClean="0"/>
+              <a:t>localStorage</a:t>
+            </a:r>
+            <a:r>
+              <a:rPr lang="en-US" sz="1800" dirty="0" smtClean="0"/>
+              <a:t>.</a:t>
+            </a:r>
+            <a:endParaRPr lang="en-US" sz="1800" dirty="0"/>
+          </a:p>
+        </p:txBody>
+      </p:sp>
+      <p:sp>
+        <p:nvSpPr>
+          <p:cNvPr id="5" name="TextBox 4"/>
+          <p:cNvSpPr txBox="1"/>
+          <p:nvPr/>
+        </p:nvSpPr>
+        <p:spPr>
+          <a:xfrm>
+            <a:off x="561975" y="4847422"/>
+            <a:ext cx="8086381" cy="707886"/>
+          </a:xfrm>
+          <a:prstGeom prst="rect">
+            <a:avLst/>
+          </a:prstGeom>
+          <a:noFill/>
+        </p:spPr>
+        <p:txBody>
+          <a:bodyPr wrap="square" rtlCol="0">
+            <a:spAutoFit/>
+          </a:bodyPr>
+          <a:lstStyle/>
+          <a:p>
+            <a:r>
+              <a:rPr lang="en-US" sz="2000" b="1" dirty="0" smtClean="0">
+                <a:solidFill>
+                  <a:srgbClr val="FF0000"/>
+                </a:solidFill>
+              </a:rPr>
+              <a:t>EX. </a:t>
+            </a:r>
+            <a:r>
+              <a:rPr lang="en-US" sz="2000" b="1" dirty="0" err="1" smtClean="0">
+                <a:solidFill>
+                  <a:srgbClr val="FF0000"/>
+                </a:solidFill>
+              </a:rPr>
+              <a:t>Lavorando</a:t>
+            </a:r>
+            <a:r>
+              <a:rPr lang="en-US" sz="2000" b="1" dirty="0" smtClean="0">
+                <a:solidFill>
+                  <a:srgbClr val="FF0000"/>
+                </a:solidFill>
+              </a:rPr>
+              <a:t> </a:t>
+            </a:r>
+            <a:r>
+              <a:rPr lang="en-US" sz="2000" b="1" dirty="0" err="1" smtClean="0">
+                <a:solidFill>
+                  <a:srgbClr val="FF0000"/>
+                </a:solidFill>
+              </a:rPr>
+              <a:t>sempre</a:t>
+            </a:r>
+            <a:r>
+              <a:rPr lang="en-US" sz="2000" b="1" dirty="0" smtClean="0">
+                <a:solidFill>
+                  <a:srgbClr val="FF0000"/>
+                </a:solidFill>
+              </a:rPr>
+              <a:t> </a:t>
+            </a:r>
+            <a:r>
+              <a:rPr lang="en-US" sz="2000" b="1" dirty="0" err="1" smtClean="0">
+                <a:solidFill>
+                  <a:srgbClr val="FF0000"/>
+                </a:solidFill>
+              </a:rPr>
+              <a:t>nella</a:t>
+            </a:r>
+            <a:r>
+              <a:rPr lang="en-US" sz="2000" b="1" dirty="0" smtClean="0">
+                <a:solidFill>
+                  <a:srgbClr val="FF0000"/>
+                </a:solidFill>
+              </a:rPr>
+              <a:t> console </a:t>
+            </a:r>
+            <a:r>
+              <a:rPr lang="en-US" sz="2000" b="1" dirty="0" err="1" smtClean="0">
+                <a:solidFill>
+                  <a:srgbClr val="FF0000"/>
+                </a:solidFill>
+              </a:rPr>
+              <a:t>vediamo</a:t>
+            </a:r>
+            <a:r>
+              <a:rPr lang="en-US" sz="2000" b="1" dirty="0" smtClean="0">
+                <a:solidFill>
+                  <a:srgbClr val="FF0000"/>
+                </a:solidFill>
+              </a:rPr>
+              <a:t> come </a:t>
+            </a:r>
+            <a:r>
+              <a:rPr lang="en-US" sz="2000" b="1" dirty="0" err="1" smtClean="0">
+                <a:solidFill>
+                  <a:srgbClr val="FF0000"/>
+                </a:solidFill>
+              </a:rPr>
+              <a:t>si</a:t>
+            </a:r>
+            <a:r>
+              <a:rPr lang="en-US" sz="2000" b="1" dirty="0" smtClean="0">
+                <a:solidFill>
+                  <a:srgbClr val="FF0000"/>
+                </a:solidFill>
+              </a:rPr>
+              <a:t> </a:t>
+            </a:r>
+            <a:r>
+              <a:rPr lang="en-US" sz="2000" b="1" dirty="0" err="1" smtClean="0">
+                <a:solidFill>
+                  <a:srgbClr val="FF0000"/>
+                </a:solidFill>
+              </a:rPr>
+              <a:t>modifica</a:t>
+            </a:r>
+            <a:r>
+              <a:rPr lang="en-US" sz="2000" b="1" dirty="0" smtClean="0">
+                <a:solidFill>
+                  <a:srgbClr val="FF0000"/>
+                </a:solidFill>
+              </a:rPr>
+              <a:t> </a:t>
+            </a:r>
+            <a:r>
+              <a:rPr lang="en-US" sz="2000" b="1" dirty="0" err="1" smtClean="0">
+                <a:solidFill>
+                  <a:srgbClr val="FF0000"/>
+                </a:solidFill>
+              </a:rPr>
+              <a:t>il</a:t>
+            </a:r>
+            <a:r>
+              <a:rPr lang="en-US" sz="2000" b="1" dirty="0" smtClean="0">
+                <a:solidFill>
+                  <a:srgbClr val="FF0000"/>
+                </a:solidFill>
+              </a:rPr>
+              <a:t> </a:t>
+            </a:r>
+            <a:r>
+              <a:rPr lang="en-US" sz="2000" b="1" dirty="0" err="1" smtClean="0">
+                <a:solidFill>
+                  <a:srgbClr val="FF0000"/>
+                </a:solidFill>
+              </a:rPr>
+              <a:t>localStorage</a:t>
+            </a:r>
+            <a:endParaRPr lang="en-US" sz="2000" b="1" dirty="0">
+              <a:solidFill>
+                <a:srgbClr val="FF0000"/>
+              </a:solidFill>
+            </a:endParaRPr>
+          </a:p>
+        </p:txBody>
+      </p:sp>
+      <p:sp>
+        <p:nvSpPr>
+          <p:cNvPr id="2" name="TextBox 1"/>
+          <p:cNvSpPr txBox="1"/>
+          <p:nvPr/>
+        </p:nvSpPr>
+        <p:spPr>
+          <a:xfrm>
+            <a:off x="561975" y="5813381"/>
+            <a:ext cx="2488182" cy="307777"/>
+          </a:xfrm>
+          <a:prstGeom prst="rect">
+            <a:avLst/>
+          </a:prstGeom>
+          <a:noFill/>
+        </p:spPr>
+        <p:txBody>
+          <a:bodyPr wrap="none" rtlCol="0">
+            <a:spAutoFit/>
+          </a:bodyPr>
+          <a:lstStyle/>
+          <a:p>
+            <a:r>
+              <a:rPr lang="en-US" dirty="0" err="1" smtClean="0"/>
+              <a:t>DeveloperTool</a:t>
+            </a:r>
+            <a:r>
+              <a:rPr lang="en-US" dirty="0" smtClean="0"/>
+              <a:t> -&gt; Application</a:t>
+            </a:r>
+            <a:endParaRPr lang="en-US" dirty="0"/>
+          </a:p>
+        </p:txBody>
+      </p:sp>
+    </p:spTree>
+    <p:extLst>
+      <p:ext uri="{BB962C8B-B14F-4D97-AF65-F5344CB8AC3E}">
+        <p14:creationId xmlns:p14="http://schemas.microsoft.com/office/powerpoint/2010/main" val="1894133631"/>
+      </p:ext>
+    </p:extLst>
+  </p:cSld>
+  <p:clrMapOvr>
+    <a:masterClrMapping/>
+  </p:clrMapOvr>
+  <p:timing>
+    <p:tnLst>
+      <p:par>
+        <p:cTn id="1" dur="indefinite" restart="never" nodeType="tmRoot"/>
+      </p:par>
+    </p:tnLst>
+  </p:timing>
+</p:sld>
+</file>
+
+<file path=ppt/slides/slide8.xml><?xml version="1.0" encoding="utf-8"?>
+<p:sld xmlns:a="http://schemas.openxmlformats.org/drawingml/2006/main" xmlns:r="http://schemas.openxmlformats.org/officeDocument/2006/relationships" xmlns:p="http://schemas.openxmlformats.org/presentationml/2006/main">
+  <p:cSld>
+    <p:spTree>
+      <p:nvGrpSpPr>
+        <p:cNvPr id="1" name="Shape 105"/>
+        <p:cNvGrpSpPr/>
+        <p:nvPr/>
+      </p:nvGrpSpPr>
+      <p:grpSpPr>
+        <a:xfrm>
+          <a:off x="0" y="0"/>
+          <a:ext cx="0" cy="0"/>
+          <a:chOff x="0" y="0"/>
+          <a:chExt cx="0" cy="0"/>
+        </a:xfrm>
+      </p:grpSpPr>
+      <p:sp>
+        <p:nvSpPr>
+          <p:cNvPr id="107" name="Shape 107"/>
+          <p:cNvSpPr txBox="1"/>
+          <p:nvPr/>
+        </p:nvSpPr>
+        <p:spPr>
+          <a:xfrm>
+            <a:off x="561975" y="6388100"/>
+            <a:ext cx="7391400" cy="184666"/>
+          </a:xfrm>
+          <a:prstGeom prst="rect">
+            <a:avLst/>
+          </a:prstGeom>
+          <a:noFill/>
+          <a:ln>
+            <a:noFill/>
+          </a:ln>
+        </p:spPr>
+        <p:txBody>
+          <a:bodyPr wrap="square" lIns="91425" tIns="45700" rIns="91425" bIns="45700" anchor="t" anchorCtr="0">
+            <a:noAutofit/>
+          </a:bodyPr>
+          <a:lstStyle/>
+          <a:p>
+            <a:pPr marL="0" marR="0" lvl="0" indent="0" algn="l" rtl="0">
+              <a:lnSpc>
+                <a:spcPct val="60000"/>
+              </a:lnSpc>
+              <a:spcBef>
+                <a:spcPts val="0"/>
+              </a:spcBef>
+              <a:spcAft>
+                <a:spcPts val="0"/>
+              </a:spcAft>
+              <a:buNone/>
+            </a:pPr>
+            <a:r>
+              <a:rPr lang="it-IT" sz="1000" b="0" i="0" u="none" strike="noStrike" cap="none">
+                <a:solidFill>
+                  <a:schemeClr val="lt1"/>
+                </a:solidFill>
+                <a:latin typeface="Trebuchet MS"/>
+                <a:ea typeface="Trebuchet MS"/>
+                <a:cs typeface="Trebuchet MS"/>
+                <a:sym typeface="Trebuchet MS"/>
+              </a:rPr>
+              <a:t>Filippo Gaudenzi - AWC</a:t>
+            </a:r>
+            <a:endParaRPr sz="1400" b="0" i="0" u="none" strike="noStrike" cap="none">
+              <a:solidFill>
+                <a:schemeClr val="lt1"/>
+              </a:solidFill>
+              <a:latin typeface="Trebuchet MS"/>
+              <a:ea typeface="Trebuchet MS"/>
+              <a:cs typeface="Trebuchet MS"/>
+              <a:sym typeface="Trebuchet MS"/>
+            </a:endParaRPr>
+          </a:p>
+        </p:txBody>
+      </p:sp>
+      <p:cxnSp>
+        <p:nvCxnSpPr>
+          <p:cNvPr id="108" name="Shape 108"/>
+          <p:cNvCxnSpPr/>
+          <p:nvPr/>
+        </p:nvCxnSpPr>
+        <p:spPr>
+          <a:xfrm>
+            <a:off x="0" y="914400"/>
+            <a:ext cx="9144000" cy="0"/>
+          </a:xfrm>
+          <a:prstGeom prst="straightConnector1">
+            <a:avLst/>
+          </a:prstGeom>
+          <a:noFill/>
+          <a:ln w="9525" cap="flat" cmpd="sng">
+            <a:solidFill>
+              <a:srgbClr val="172171"/>
+            </a:solidFill>
+            <a:prstDash val="solid"/>
+            <a:round/>
+            <a:headEnd type="none" w="med" len="med"/>
+            <a:tailEnd type="none" w="med" len="med"/>
+          </a:ln>
+        </p:spPr>
+      </p:cxnSp>
+      <p:sp>
+        <p:nvSpPr>
+          <p:cNvPr id="109" name="Shape 109"/>
+          <p:cNvSpPr txBox="1"/>
+          <p:nvPr/>
+        </p:nvSpPr>
+        <p:spPr>
+          <a:xfrm>
+            <a:off x="228599" y="271791"/>
+            <a:ext cx="7813713" cy="523220"/>
+          </a:xfrm>
+          <a:prstGeom prst="rect">
+            <a:avLst/>
+          </a:prstGeom>
+          <a:noFill/>
+          <a:ln>
+            <a:noFill/>
+          </a:ln>
+        </p:spPr>
+        <p:txBody>
+          <a:bodyPr wrap="square" lIns="91425" tIns="45700" rIns="91425" bIns="45700" anchor="t" anchorCtr="0">
+            <a:noAutofit/>
+          </a:bodyPr>
+          <a:lstStyle/>
+          <a:p>
+            <a:pPr marL="0" marR="0" lvl="0" indent="0" algn="l" rtl="0">
+              <a:spcBef>
+                <a:spcPts val="0"/>
+              </a:spcBef>
+              <a:spcAft>
+                <a:spcPts val="0"/>
+              </a:spcAft>
+              <a:buNone/>
+            </a:pPr>
+            <a:r>
               <a:rPr lang="it-IT" sz="2800" b="1" dirty="0" smtClean="0">
                 <a:solidFill>
                   <a:srgbClr val="172171"/>
@@ -16860,7 +16728,7 @@
         <p:spPr>
           <a:xfrm>
             <a:off x="468817" y="2188137"/>
-            <a:ext cx="6698255" cy="2246769"/>
+            <a:ext cx="6698255" cy="1815882"/>
           </a:xfrm>
           <a:prstGeom prst="rect">
             <a:avLst/>
@@ -16874,17 +16742,27 @@
           <a:lstStyle/>
           <a:p>
             <a:r>
-              <a:rPr lang="en-US" b="1" dirty="0" smtClean="0"/>
-              <a:t>FORM</a:t>
-            </a:r>
+              <a:rPr lang="en-US" b="1" i="1" dirty="0" err="1" smtClean="0">
+                <a:solidFill>
+                  <a:schemeClr val="bg1">
+                    <a:lumMod val="50000"/>
+                  </a:schemeClr>
+                </a:solidFill>
+              </a:rPr>
+              <a:t>suggerimento</a:t>
+            </a:r>
+            <a:endParaRPr lang="en-US" b="1" i="1" dirty="0" smtClean="0">
+              <a:solidFill>
+                <a:schemeClr val="bg1">
+                  <a:lumMod val="50000"/>
+                </a:schemeClr>
+              </a:solidFill>
+            </a:endParaRPr>
           </a:p>
           <a:p>
-            <a:endParaRPr lang="en-US" b="1" dirty="0"/>
-          </a:p>
-          <a:p>
             <a:r>
               <a:rPr lang="en-US" b="1" dirty="0" smtClean="0"/>
-              <a:t>action -&gt; </a:t>
+              <a:t>FORM: action -&gt; </a:t>
             </a:r>
             <a:r>
               <a:rPr lang="en-US" b="1" dirty="0" err="1" smtClean="0"/>
@@ -16898,12 +16776,9 @@
               <a:rPr lang="en-US" b="1" dirty="0" err="1" smtClean="0"/>
               <a:t>destinazione</a:t>
             </a:r>
-            <a:endParaRPr lang="en-US" b="1" dirty="0" smtClean="0"/>
-          </a:p>
-          <a:p>
             <a:r>
               <a:rPr lang="en-US" b="1" dirty="0" smtClean="0"/>
-              <a:t>method -&gt; POST or GET</a:t>
+              <a:t>, method -&gt; POST or GET</a:t>
             </a:r>
           </a:p>
           <a:p>
@@ -16923,35 +16798,6 @@
           </a:p>
           <a:p>
             <a:endParaRPr lang="en-US" b="1" dirty="0"/>
-          </a:p>
-        </p:txBody>
-      </p:sp>
-      <p:sp>
-        <p:nvSpPr>
-          <p:cNvPr id="8" name="Rectangle 7"/>
-          <p:cNvSpPr/>
-          <p:nvPr/>
-        </p:nvSpPr>
-        <p:spPr>
-          <a:xfrm>
-            <a:off x="561974" y="3111467"/>
-            <a:ext cx="8582025" cy="307777"/>
-          </a:xfrm>
-          <a:prstGeom prst="rect">
-            <a:avLst/>
-          </a:prstGeom>
-        </p:spPr>
-        <p:txBody>
-          <a:bodyPr wrap="square">
-            <a:spAutoFit/>
-          </a:bodyPr>
-          <a:lstStyle/>
-          <a:p>
-            <a:endParaRPr lang="en-US" dirty="0">
-              <a:latin typeface="Consolas" charset="0"/>
-              <a:ea typeface="Consolas" charset="0"/>
-              <a:cs typeface="Consolas" charset="0"/>
-            </a:endParaRPr>
           </a:p>
         </p:txBody>
       </p:sp>

--- a/Lezione 3/LabAWC-Lez3.pptx
+++ b/Lezione 3/LabAWC-Lez3.pptx
@@ -5,7 +5,7 @@
     <p:sldMasterId id="2147483659" r:id="rId1"/>
   </p:sldMasterIdLst>
   <p:notesMasterIdLst>
-    <p:notesMasterId r:id="rId10"/>
+    <p:notesMasterId r:id="rId11"/>
   </p:notesMasterIdLst>
   <p:sldIdLst>
     <p:sldId id="256" r:id="rId2"/>
@@ -15,7 +15,8 @@
     <p:sldId id="262" r:id="rId6"/>
     <p:sldId id="305" r:id="rId7"/>
     <p:sldId id="307" r:id="rId8"/>
-    <p:sldId id="306" r:id="rId9"/>
+    <p:sldId id="308" r:id="rId9"/>
+    <p:sldId id="306" r:id="rId10"/>
   </p:sldIdLst>
   <p:sldSz cx="9144000" cy="6858000" type="screen4x3"/>
   <p:notesSz cx="6858000" cy="9144000"/>
@@ -2753,6 +2754,209 @@
                 <a:sym typeface="Arial"/>
               </a:rPr>
               <a:t>8</a:t>
+            </a:fld>
+            <a:endParaRPr sz="1200">
+              <a:solidFill>
+                <a:schemeClr val="dk1"/>
+              </a:solidFill>
+              <a:latin typeface="Arial"/>
+              <a:ea typeface="Arial"/>
+              <a:cs typeface="Arial"/>
+              <a:sym typeface="Arial"/>
+            </a:endParaRPr>
+          </a:p>
+        </p:txBody>
+      </p:sp>
+      <p:sp>
+        <p:nvSpPr>
+          <p:cNvPr id="103" name="Shape 103"/>
+          <p:cNvSpPr>
+            <a:spLocks noGrp="1" noRot="1" noChangeAspect="1"/>
+          </p:cNvSpPr>
+          <p:nvPr>
+            <p:ph type="sldImg" idx="2"/>
+          </p:nvPr>
+        </p:nvSpPr>
+        <p:spPr>
+          <a:xfrm>
+            <a:off x="1143000" y="685800"/>
+            <a:ext cx="4572000" cy="3429000"/>
+          </a:xfrm>
+          <a:custGeom>
+            <a:avLst/>
+            <a:gdLst/>
+            <a:ahLst/>
+            <a:cxnLst/>
+            <a:rect l="0" t="0" r="0" b="0"/>
+            <a:pathLst>
+              <a:path w="120000" h="120000" extrusionOk="0">
+                <a:moveTo>
+                  <a:pt x="0" y="0"/>
+                </a:moveTo>
+                <a:lnTo>
+                  <a:pt x="120000" y="0"/>
+                </a:lnTo>
+                <a:lnTo>
+                  <a:pt x="120000" y="120000"/>
+                </a:lnTo>
+                <a:lnTo>
+                  <a:pt x="0" y="120000"/>
+                </a:lnTo>
+                <a:close/>
+              </a:path>
+            </a:pathLst>
+          </a:custGeom>
+          <a:solidFill>
+            <a:srgbClr val="FFFFFF"/>
+          </a:solidFill>
+          <a:ln w="9525" cap="flat" cmpd="sng">
+            <a:solidFill>
+              <a:srgbClr val="000000"/>
+            </a:solidFill>
+            <a:prstDash val="solid"/>
+            <a:miter lim="800000"/>
+            <a:headEnd type="none" w="med" len="med"/>
+            <a:tailEnd type="none" w="med" len="med"/>
+          </a:ln>
+        </p:spPr>
+      </p:sp>
+      <p:sp>
+        <p:nvSpPr>
+          <p:cNvPr id="104" name="Shape 104"/>
+          <p:cNvSpPr txBox="1">
+            <a:spLocks noGrp="1"/>
+          </p:cNvSpPr>
+          <p:nvPr>
+            <p:ph type="body" idx="1"/>
+          </p:nvPr>
+        </p:nvSpPr>
+        <p:spPr>
+          <a:xfrm>
+            <a:off x="914400" y="4343400"/>
+            <a:ext cx="5029200" cy="4114800"/>
+          </a:xfrm>
+          <a:prstGeom prst="rect">
+            <a:avLst/>
+          </a:prstGeom>
+          <a:solidFill>
+            <a:srgbClr val="FFFFFF"/>
+          </a:solidFill>
+          <a:ln w="9525" cap="flat" cmpd="sng">
+            <a:solidFill>
+              <a:srgbClr val="000000"/>
+            </a:solidFill>
+            <a:prstDash val="solid"/>
+            <a:miter lim="800000"/>
+            <a:headEnd type="none" w="med" len="med"/>
+            <a:tailEnd type="none" w="med" len="med"/>
+          </a:ln>
+        </p:spPr>
+        <p:txBody>
+          <a:bodyPr wrap="square" lIns="91425" tIns="45700" rIns="91425" bIns="45700" anchor="t" anchorCtr="0">
+            <a:noAutofit/>
+          </a:bodyPr>
+          <a:lstStyle/>
+          <a:p>
+            <a:pPr marL="0" marR="0" lvl="0" indent="0" algn="l" rtl="0">
+              <a:spcBef>
+                <a:spcPts val="0"/>
+              </a:spcBef>
+              <a:spcAft>
+                <a:spcPts val="0"/>
+              </a:spcAft>
+              <a:buNone/>
+            </a:pPr>
+            <a:endParaRPr sz="1200" b="0" i="0" u="none" strike="noStrike" cap="none">
+              <a:solidFill>
+                <a:schemeClr val="dk1"/>
+              </a:solidFill>
+              <a:latin typeface="Arial"/>
+              <a:ea typeface="Arial"/>
+              <a:cs typeface="Arial"/>
+              <a:sym typeface="Arial"/>
+            </a:endParaRPr>
+          </a:p>
+        </p:txBody>
+      </p:sp>
+    </p:spTree>
+    <p:extLst>
+      <p:ext uri="{BB962C8B-B14F-4D97-AF65-F5344CB8AC3E}">
+        <p14:creationId xmlns:p14="http://schemas.microsoft.com/office/powerpoint/2010/main" val="1894839192"/>
+      </p:ext>
+    </p:extLst>
+  </p:cSld>
+  <p:clrMapOvr>
+    <a:masterClrMapping/>
+  </p:clrMapOvr>
+</p:notes>
+</file>
+
+<file path=ppt/notesSlides/notesSlide9.xml><?xml version="1.0" encoding="utf-8"?>
+<p:notes xmlns:a="http://schemas.openxmlformats.org/drawingml/2006/main" xmlns:r="http://schemas.openxmlformats.org/officeDocument/2006/relationships" xmlns:p="http://schemas.openxmlformats.org/presentationml/2006/main" showMasterSp="0" showMasterPhAnim="0">
+  <p:cSld>
+    <p:spTree>
+      <p:nvGrpSpPr>
+        <p:cNvPr id="1" name="Shape 101"/>
+        <p:cNvGrpSpPr/>
+        <p:nvPr/>
+      </p:nvGrpSpPr>
+      <p:grpSpPr>
+        <a:xfrm>
+          <a:off x="0" y="0"/>
+          <a:ext cx="0" cy="0"/>
+          <a:chOff x="0" y="0"/>
+          <a:chExt cx="0" cy="0"/>
+        </a:xfrm>
+      </p:grpSpPr>
+      <p:sp>
+        <p:nvSpPr>
+          <p:cNvPr id="102" name="Shape 102"/>
+          <p:cNvSpPr txBox="1">
+            <a:spLocks noGrp="1"/>
+          </p:cNvSpPr>
+          <p:nvPr>
+            <p:ph type="sldNum" idx="12"/>
+          </p:nvPr>
+        </p:nvSpPr>
+        <p:spPr>
+          <a:xfrm>
+            <a:off x="3886200" y="8686800"/>
+            <a:ext cx="2971800" cy="457200"/>
+          </a:xfrm>
+          <a:prstGeom prst="rect">
+            <a:avLst/>
+          </a:prstGeom>
+          <a:noFill/>
+          <a:ln>
+            <a:noFill/>
+          </a:ln>
+        </p:spPr>
+        <p:txBody>
+          <a:bodyPr wrap="square" lIns="91425" tIns="45700" rIns="91425" bIns="45700" anchor="b" anchorCtr="0">
+            <a:noAutofit/>
+          </a:bodyPr>
+          <a:lstStyle/>
+          <a:p>
+            <a:pPr marL="0" marR="0" lvl="0" indent="0" algn="r" rtl="0">
+              <a:spcBef>
+                <a:spcPts val="0"/>
+              </a:spcBef>
+              <a:spcAft>
+                <a:spcPts val="0"/>
+              </a:spcAft>
+              <a:buNone/>
+            </a:pPr>
+            <a:fld id="{00000000-1234-1234-1234-123412341234}" type="slidenum">
+              <a:rPr lang="it-IT" sz="1200">
+                <a:solidFill>
+                  <a:schemeClr val="dk1"/>
+                </a:solidFill>
+                <a:latin typeface="Arial"/>
+                <a:ea typeface="Arial"/>
+                <a:cs typeface="Arial"/>
+                <a:sym typeface="Arial"/>
+              </a:rPr>
+              <a:t>9</a:t>
             </a:fld>
             <a:endParaRPr sz="1200">
               <a:solidFill>
@@ -16496,6 +16700,500 @@
 </file>
 
 <file path=ppt/slides/slide8.xml><?xml version="1.0" encoding="utf-8"?>
+<p:sld xmlns:a="http://schemas.openxmlformats.org/drawingml/2006/main" xmlns:r="http://schemas.openxmlformats.org/officeDocument/2006/relationships" xmlns:p="http://schemas.openxmlformats.org/presentationml/2006/main">
+  <p:cSld>
+    <p:spTree>
+      <p:nvGrpSpPr>
+        <p:cNvPr id="1" name="Shape 105"/>
+        <p:cNvGrpSpPr/>
+        <p:nvPr/>
+      </p:nvGrpSpPr>
+      <p:grpSpPr>
+        <a:xfrm>
+          <a:off x="0" y="0"/>
+          <a:ext cx="0" cy="0"/>
+          <a:chOff x="0" y="0"/>
+          <a:chExt cx="0" cy="0"/>
+        </a:xfrm>
+      </p:grpSpPr>
+      <p:sp>
+        <p:nvSpPr>
+          <p:cNvPr id="107" name="Shape 107"/>
+          <p:cNvSpPr txBox="1"/>
+          <p:nvPr/>
+        </p:nvSpPr>
+        <p:spPr>
+          <a:xfrm>
+            <a:off x="561975" y="6388100"/>
+            <a:ext cx="7391400" cy="184666"/>
+          </a:xfrm>
+          <a:prstGeom prst="rect">
+            <a:avLst/>
+          </a:prstGeom>
+          <a:noFill/>
+          <a:ln>
+            <a:noFill/>
+          </a:ln>
+        </p:spPr>
+        <p:txBody>
+          <a:bodyPr wrap="square" lIns="91425" tIns="45700" rIns="91425" bIns="45700" anchor="t" anchorCtr="0">
+            <a:noAutofit/>
+          </a:bodyPr>
+          <a:lstStyle/>
+          <a:p>
+            <a:pPr marL="0" marR="0" lvl="0" indent="0" algn="l" rtl="0">
+              <a:lnSpc>
+                <a:spcPct val="60000"/>
+              </a:lnSpc>
+              <a:spcBef>
+                <a:spcPts val="0"/>
+              </a:spcBef>
+              <a:spcAft>
+                <a:spcPts val="0"/>
+              </a:spcAft>
+              <a:buNone/>
+            </a:pPr>
+            <a:r>
+              <a:rPr lang="it-IT" sz="1000" b="0" i="0" u="none" strike="noStrike" cap="none">
+                <a:solidFill>
+                  <a:schemeClr val="lt1"/>
+                </a:solidFill>
+                <a:latin typeface="Trebuchet MS"/>
+                <a:ea typeface="Trebuchet MS"/>
+                <a:cs typeface="Trebuchet MS"/>
+                <a:sym typeface="Trebuchet MS"/>
+              </a:rPr>
+              <a:t>Filippo Gaudenzi - AWC</a:t>
+            </a:r>
+            <a:endParaRPr sz="1400" b="0" i="0" u="none" strike="noStrike" cap="none">
+              <a:solidFill>
+                <a:schemeClr val="lt1"/>
+              </a:solidFill>
+              <a:latin typeface="Trebuchet MS"/>
+              <a:ea typeface="Trebuchet MS"/>
+              <a:cs typeface="Trebuchet MS"/>
+              <a:sym typeface="Trebuchet MS"/>
+            </a:endParaRPr>
+          </a:p>
+        </p:txBody>
+      </p:sp>
+      <p:cxnSp>
+        <p:nvCxnSpPr>
+          <p:cNvPr id="108" name="Shape 108"/>
+          <p:cNvCxnSpPr/>
+          <p:nvPr/>
+        </p:nvCxnSpPr>
+        <p:spPr>
+          <a:xfrm>
+            <a:off x="0" y="914400"/>
+            <a:ext cx="9144000" cy="0"/>
+          </a:xfrm>
+          <a:prstGeom prst="straightConnector1">
+            <a:avLst/>
+          </a:prstGeom>
+          <a:noFill/>
+          <a:ln w="9525" cap="flat" cmpd="sng">
+            <a:solidFill>
+              <a:srgbClr val="172171"/>
+            </a:solidFill>
+            <a:prstDash val="solid"/>
+            <a:round/>
+            <a:headEnd type="none" w="med" len="med"/>
+            <a:tailEnd type="none" w="med" len="med"/>
+          </a:ln>
+        </p:spPr>
+      </p:cxnSp>
+      <p:sp>
+        <p:nvSpPr>
+          <p:cNvPr id="109" name="Shape 109"/>
+          <p:cNvSpPr txBox="1"/>
+          <p:nvPr/>
+        </p:nvSpPr>
+        <p:spPr>
+          <a:xfrm>
+            <a:off x="228599" y="271791"/>
+            <a:ext cx="7813713" cy="523220"/>
+          </a:xfrm>
+          <a:prstGeom prst="rect">
+            <a:avLst/>
+          </a:prstGeom>
+          <a:noFill/>
+          <a:ln>
+            <a:noFill/>
+          </a:ln>
+        </p:spPr>
+        <p:txBody>
+          <a:bodyPr wrap="square" lIns="91425" tIns="45700" rIns="91425" bIns="45700" anchor="t" anchorCtr="0">
+            <a:noAutofit/>
+          </a:bodyPr>
+          <a:lstStyle/>
+          <a:p>
+            <a:pPr marL="0" marR="0" lvl="0" indent="0" algn="l" rtl="0">
+              <a:spcBef>
+                <a:spcPts val="0"/>
+              </a:spcBef>
+              <a:spcAft>
+                <a:spcPts val="0"/>
+              </a:spcAft>
+              <a:buNone/>
+            </a:pPr>
+            <a:r>
+              <a:rPr lang="it-IT" sz="2800" b="1" dirty="0" err="1" smtClean="0">
+                <a:solidFill>
+                  <a:srgbClr val="172171"/>
+                </a:solidFill>
+                <a:latin typeface="Trebuchet MS"/>
+                <a:ea typeface="Trebuchet MS"/>
+                <a:cs typeface="Trebuchet MS"/>
+                <a:sym typeface="Trebuchet MS"/>
+              </a:rPr>
+              <a:t>onload</a:t>
+            </a:r>
+            <a:r>
+              <a:rPr lang="it-IT" sz="2800" b="1" dirty="0" smtClean="0">
+                <a:solidFill>
+                  <a:srgbClr val="172171"/>
+                </a:solidFill>
+                <a:latin typeface="Trebuchet MS"/>
+                <a:ea typeface="Trebuchet MS"/>
+                <a:cs typeface="Trebuchet MS"/>
+                <a:sym typeface="Trebuchet MS"/>
+              </a:rPr>
+              <a:t> </a:t>
+            </a:r>
+            <a:r>
+              <a:rPr lang="it-IT" sz="2800" b="1" dirty="0" err="1" smtClean="0">
+                <a:solidFill>
+                  <a:srgbClr val="172171"/>
+                </a:solidFill>
+                <a:latin typeface="Trebuchet MS"/>
+                <a:ea typeface="Trebuchet MS"/>
+                <a:cs typeface="Trebuchet MS"/>
+                <a:sym typeface="Trebuchet MS"/>
+              </a:rPr>
+              <a:t>event</a:t>
+            </a:r>
+            <a:endParaRPr sz="2800" b="1" i="0" u="none" strike="noStrike" cap="none" dirty="0">
+              <a:solidFill>
+                <a:srgbClr val="D74720"/>
+              </a:solidFill>
+              <a:latin typeface="Arial"/>
+              <a:ea typeface="Arial"/>
+              <a:cs typeface="Arial"/>
+              <a:sym typeface="Arial"/>
+            </a:endParaRPr>
+          </a:p>
+        </p:txBody>
+      </p:sp>
+      <p:sp>
+        <p:nvSpPr>
+          <p:cNvPr id="3" name="Rectangle 2"/>
+          <p:cNvSpPr/>
+          <p:nvPr/>
+        </p:nvSpPr>
+        <p:spPr>
+          <a:xfrm>
+            <a:off x="561975" y="3210900"/>
+            <a:ext cx="7700676" cy="1077218"/>
+          </a:xfrm>
+          <a:prstGeom prst="rect">
+            <a:avLst/>
+          </a:prstGeom>
+        </p:spPr>
+        <p:txBody>
+          <a:bodyPr wrap="square">
+            <a:spAutoFit/>
+          </a:bodyPr>
+          <a:lstStyle/>
+          <a:p>
+            <a:r>
+              <a:rPr lang="en-US" sz="1600" dirty="0" err="1"/>
+              <a:t>window</a:t>
+            </a:r>
+            <a:r>
+              <a:rPr lang="en-US" sz="1600" dirty="0" err="1"/>
+              <a:t>.</a:t>
+            </a:r>
+            <a:r>
+              <a:rPr lang="en-US" sz="1600" dirty="0" err="1"/>
+              <a:t>onload</a:t>
+            </a:r>
+            <a:r>
+              <a:rPr lang="en-US" sz="1600" dirty="0"/>
+              <a:t> </a:t>
+            </a:r>
+            <a:r>
+              <a:rPr lang="en-US" sz="1600" dirty="0"/>
+              <a:t>=</a:t>
+            </a:r>
+            <a:r>
+              <a:rPr lang="en-US" sz="1600" dirty="0"/>
+              <a:t> </a:t>
+            </a:r>
+            <a:r>
+              <a:rPr lang="en-US" sz="1600" dirty="0"/>
+              <a:t>function()</a:t>
+            </a:r>
+            <a:r>
+              <a:rPr lang="en-US" sz="1600" dirty="0"/>
+              <a:t> </a:t>
+            </a:r>
+            <a:r>
+              <a:rPr lang="en-US" sz="1600" dirty="0"/>
+              <a:t>{</a:t>
+            </a:r>
+            <a:r>
+              <a:rPr lang="en-US" sz="1600" dirty="0"/>
+              <a:t> </a:t>
+            </a:r>
+            <a:endParaRPr lang="en-US" sz="1600" dirty="0" smtClean="0"/>
+          </a:p>
+          <a:p>
+            <a:r>
+              <a:rPr lang="en-US" sz="1600" dirty="0"/>
+              <a:t>	</a:t>
+            </a:r>
+            <a:r>
+              <a:rPr lang="en-US" sz="1600" dirty="0" err="1" smtClean="0"/>
+              <a:t>init</a:t>
+            </a:r>
+            <a:r>
+              <a:rPr lang="en-US" sz="1600" dirty="0"/>
+              <a:t>();</a:t>
+            </a:r>
+            <a:r>
+              <a:rPr lang="en-US" sz="1600" dirty="0"/>
+              <a:t> </a:t>
+            </a:r>
+            <a:endParaRPr lang="en-US" sz="1600" dirty="0" smtClean="0"/>
+          </a:p>
+          <a:p>
+            <a:r>
+              <a:rPr lang="en-US" sz="1600" dirty="0"/>
+              <a:t>	</a:t>
+            </a:r>
+            <a:r>
+              <a:rPr lang="en-US" sz="1600" dirty="0" err="1" smtClean="0"/>
+              <a:t>doSomethingElse</a:t>
+            </a:r>
+            <a:r>
+              <a:rPr lang="en-US" sz="1600" dirty="0" smtClean="0"/>
+              <a:t>();</a:t>
+            </a:r>
+          </a:p>
+          <a:p>
+            <a:r>
+              <a:rPr lang="en-US" sz="1600" dirty="0" smtClean="0"/>
+              <a:t> </a:t>
+            </a:r>
+            <a:r>
+              <a:rPr lang="en-US" sz="1600" dirty="0"/>
+              <a:t>};</a:t>
+            </a:r>
+            <a:endParaRPr lang="en-US" sz="1600" dirty="0">
+              <a:latin typeface="Consolas" charset="0"/>
+              <a:ea typeface="Consolas" charset="0"/>
+              <a:cs typeface="Consolas" charset="0"/>
+            </a:endParaRPr>
+          </a:p>
+        </p:txBody>
+      </p:sp>
+      <p:sp>
+        <p:nvSpPr>
+          <p:cNvPr id="4" name="TextBox 3"/>
+          <p:cNvSpPr txBox="1"/>
+          <p:nvPr/>
+        </p:nvSpPr>
+        <p:spPr>
+          <a:xfrm>
+            <a:off x="468817" y="1264807"/>
+            <a:ext cx="7926036" cy="923330"/>
+          </a:xfrm>
+          <a:prstGeom prst="rect">
+            <a:avLst/>
+          </a:prstGeom>
+          <a:noFill/>
+        </p:spPr>
+        <p:txBody>
+          <a:bodyPr wrap="square" rtlCol="0">
+            <a:spAutoFit/>
+          </a:bodyPr>
+          <a:lstStyle/>
+          <a:p>
+            <a:r>
+              <a:rPr lang="en-US" sz="1800" dirty="0" err="1" smtClean="0"/>
+              <a:t>Javascript</a:t>
+            </a:r>
+            <a:r>
+              <a:rPr lang="en-US" sz="1800" dirty="0" smtClean="0"/>
+              <a:t> ci </a:t>
+            </a:r>
+            <a:r>
+              <a:rPr lang="en-US" sz="1800" dirty="0" err="1" smtClean="0"/>
+              <a:t>permette</a:t>
+            </a:r>
+            <a:r>
+              <a:rPr lang="en-US" sz="1800" dirty="0" smtClean="0"/>
+              <a:t> di </a:t>
+            </a:r>
+            <a:r>
+              <a:rPr lang="en-US" sz="1800" dirty="0" err="1" smtClean="0"/>
+              <a:t>gestire</a:t>
+            </a:r>
+            <a:r>
+              <a:rPr lang="en-US" sz="1800" dirty="0" smtClean="0"/>
+              <a:t> </a:t>
+            </a:r>
+            <a:r>
+              <a:rPr lang="en-US" sz="1800" b="1" dirty="0" err="1" smtClean="0"/>
+              <a:t>eventi</a:t>
+            </a:r>
+            <a:r>
+              <a:rPr lang="en-US" sz="1800" dirty="0" smtClean="0"/>
+              <a:t> </a:t>
+            </a:r>
+            <a:r>
+              <a:rPr lang="en-US" sz="1800" dirty="0" err="1" smtClean="0"/>
+              <a:t>particolari</a:t>
+            </a:r>
+            <a:r>
+              <a:rPr lang="en-US" sz="1800" dirty="0" smtClean="0"/>
+              <a:t> (</a:t>
+            </a:r>
+            <a:r>
+              <a:rPr lang="en-US" sz="1800" dirty="0" err="1" smtClean="0"/>
+              <a:t>onclick</a:t>
+            </a:r>
+            <a:r>
+              <a:rPr lang="en-US" sz="1800" dirty="0" smtClean="0"/>
+              <a:t>, </a:t>
+            </a:r>
+            <a:r>
+              <a:rPr lang="en-US" sz="1800" dirty="0" err="1" smtClean="0"/>
+              <a:t>onload</a:t>
+            </a:r>
+            <a:r>
+              <a:rPr lang="en-US" sz="1800" dirty="0" smtClean="0"/>
+              <a:t>, </a:t>
+            </a:r>
+            <a:r>
+              <a:rPr lang="en-US" sz="1800" dirty="0" err="1" smtClean="0"/>
+              <a:t>onkeypress</a:t>
+            </a:r>
+            <a:r>
+              <a:rPr lang="en-US" sz="1800" dirty="0" smtClean="0"/>
+              <a:t>) per </a:t>
+            </a:r>
+            <a:r>
+              <a:rPr lang="en-US" sz="1800" dirty="0" err="1" smtClean="0"/>
+              <a:t>determinati</a:t>
+            </a:r>
+            <a:r>
+              <a:rPr lang="en-US" sz="1800" dirty="0" smtClean="0"/>
+              <a:t> </a:t>
+            </a:r>
+            <a:r>
+              <a:rPr lang="en-US" sz="1800" dirty="0" err="1" smtClean="0"/>
+              <a:t>elementi</a:t>
+            </a:r>
+            <a:r>
+              <a:rPr lang="en-US" sz="1800" dirty="0" smtClean="0"/>
+              <a:t> del </a:t>
+            </a:r>
+            <a:r>
+              <a:rPr lang="en-US" sz="1800" dirty="0" err="1" smtClean="0"/>
+              <a:t>dom</a:t>
+            </a:r>
+            <a:r>
+              <a:rPr lang="en-US" sz="1800" dirty="0" smtClean="0"/>
+              <a:t> (window, div, button, input). </a:t>
+            </a:r>
+            <a:r>
+              <a:rPr lang="en-US" sz="1800" dirty="0" err="1" smtClean="0"/>
+              <a:t>Vediamo</a:t>
+            </a:r>
+            <a:r>
+              <a:rPr lang="en-US" sz="1800" dirty="0" smtClean="0"/>
+              <a:t> </a:t>
+            </a:r>
+            <a:r>
+              <a:rPr lang="en-US" sz="1800" dirty="0" err="1" smtClean="0"/>
+              <a:t>l’evento</a:t>
+            </a:r>
+            <a:r>
+              <a:rPr lang="en-US" sz="1800" dirty="0" smtClean="0"/>
+              <a:t> </a:t>
+            </a:r>
+            <a:r>
+              <a:rPr lang="en-US" sz="1800" dirty="0" err="1" smtClean="0"/>
+              <a:t>onload</a:t>
+            </a:r>
+            <a:r>
+              <a:rPr lang="en-US" sz="1800" dirty="0" smtClean="0"/>
+              <a:t> di window.</a:t>
+            </a:r>
+          </a:p>
+        </p:txBody>
+      </p:sp>
+      <p:sp>
+        <p:nvSpPr>
+          <p:cNvPr id="5" name="TextBox 4"/>
+          <p:cNvSpPr txBox="1"/>
+          <p:nvPr/>
+        </p:nvSpPr>
+        <p:spPr>
+          <a:xfrm>
+            <a:off x="561975" y="4847422"/>
+            <a:ext cx="8086381" cy="400110"/>
+          </a:xfrm>
+          <a:prstGeom prst="rect">
+            <a:avLst/>
+          </a:prstGeom>
+          <a:noFill/>
+        </p:spPr>
+        <p:txBody>
+          <a:bodyPr wrap="square" rtlCol="0">
+            <a:spAutoFit/>
+          </a:bodyPr>
+          <a:lstStyle/>
+          <a:p>
+            <a:r>
+              <a:rPr lang="en-US" sz="2000" b="1" dirty="0" smtClean="0">
+                <a:solidFill>
+                  <a:srgbClr val="FF0000"/>
+                </a:solidFill>
+              </a:rPr>
+              <a:t>PER COSA PUO’ ESSERE UTILE?</a:t>
+            </a:r>
+            <a:endParaRPr lang="en-US" sz="2000" b="1" dirty="0">
+              <a:solidFill>
+                <a:srgbClr val="FF0000"/>
+              </a:solidFill>
+            </a:endParaRPr>
+          </a:p>
+        </p:txBody>
+      </p:sp>
+    </p:spTree>
+    <p:extLst>
+      <p:ext uri="{BB962C8B-B14F-4D97-AF65-F5344CB8AC3E}">
+        <p14:creationId xmlns:p14="http://schemas.microsoft.com/office/powerpoint/2010/main" val="1886300258"/>
+      </p:ext>
+    </p:extLst>
+  </p:cSld>
+  <p:clrMapOvr>
+    <a:masterClrMapping/>
+  </p:clrMapOvr>
+  <p:timing>
+    <p:tnLst>
+      <p:par>
+        <p:cTn id="1" dur="indefinite" restart="never" nodeType="tmRoot"/>
+      </p:par>
+    </p:tnLst>
+  </p:timing>
+</p:sld>
+</file>
+
+<file path=ppt/slides/slide9.xml><?xml version="1.0" encoding="utf-8"?>
 <p:sld xmlns:a="http://schemas.openxmlformats.org/drawingml/2006/main" xmlns:r="http://schemas.openxmlformats.org/officeDocument/2006/relationships" xmlns:p="http://schemas.openxmlformats.org/presentationml/2006/main">
   <p:cSld>
     <p:spTree>
